--- a/D10B_Python_Miniproject_Group_3_Sentiment_Analyzer.pptx
+++ b/D10B_Python_Miniproject_Group_3_Sentiment_Analyzer.pptx
@@ -5,10 +5,10 @@
     <p:sldMasterId id="2147483648" r:id="rId4"/>
   </p:sldMasterIdLst>
   <p:notesMasterIdLst>
-    <p:notesMasterId r:id="rId16"/>
+    <p:notesMasterId r:id="rId19"/>
   </p:notesMasterIdLst>
   <p:handoutMasterIdLst>
-    <p:handoutMasterId r:id="rId17"/>
+    <p:handoutMasterId r:id="rId20"/>
   </p:handoutMasterIdLst>
   <p:sldIdLst>
     <p:sldId id="256" r:id="rId5"/>
@@ -18,10 +18,13 @@
     <p:sldId id="260" r:id="rId9"/>
     <p:sldId id="262" r:id="rId10"/>
     <p:sldId id="261" r:id="rId11"/>
-    <p:sldId id="270" r:id="rId12"/>
+    <p:sldId id="280" r:id="rId12"/>
     <p:sldId id="278" r:id="rId13"/>
     <p:sldId id="272" r:id="rId14"/>
-    <p:sldId id="277" r:id="rId15"/>
+    <p:sldId id="270" r:id="rId15"/>
+    <p:sldId id="281" r:id="rId16"/>
+    <p:sldId id="282" r:id="rId17"/>
+    <p:sldId id="277" r:id="rId18"/>
   </p:sldIdLst>
   <p:sldSz cx="12192000" cy="6858000"/>
   <p:notesSz cx="6858000" cy="9144000"/>
@@ -241,7 +244,7 @@
           <a:p>
             <a:fld id="{CDA3C146-E2BA-41EA-8AE9-0C67692768F2}" type="datetimeFigureOut">
               <a:rPr lang="en-US" smtClean="0"/>
-              <a:t>5/17/2021</a:t>
+              <a:t>5/20/2021</a:t>
             </a:fld>
             <a:endParaRPr lang="en-US" dirty="0"/>
           </a:p>
@@ -418,7 +421,7 @@
           <a:p>
             <a:fld id="{1F7D3EB6-8099-4744-9273-C8C1DD61A2EA}" type="datetimeFigureOut">
               <a:rPr lang="en-US" noProof="0" smtClean="0"/>
-              <a:t>5/17/2021</a:t>
+              <a:t>5/20/2021</a:t>
             </a:fld>
             <a:endParaRPr lang="en-US" noProof="0" dirty="0"/>
           </a:p>
@@ -44089,6 +44092,818 @@
       </p:grpSpPr>
       <p:sp>
         <p:nvSpPr>
+          <p:cNvPr id="5" name="Title 4">
+            <a:extLst>
+              <a:ext uri="{FF2B5EF4-FFF2-40B4-BE49-F238E27FC236}">
+                <a16:creationId xmlns:a16="http://schemas.microsoft.com/office/drawing/2014/main" id="{C27242FD-4B84-40F8-B4E6-626D05771D01}"/>
+              </a:ext>
+            </a:extLst>
+          </p:cNvPr>
+          <p:cNvSpPr>
+            <a:spLocks noGrp="1"/>
+          </p:cNvSpPr>
+          <p:nvPr>
+            <p:ph type="title"/>
+          </p:nvPr>
+        </p:nvSpPr>
+        <p:spPr/>
+        <p:txBody>
+          <a:bodyPr>
+            <a:normAutofit/>
+          </a:bodyPr>
+          <a:lstStyle/>
+          <a:p>
+            <a:r>
+              <a:rPr lang="en-US" dirty="0">
+                <a:solidFill>
+                  <a:srgbClr val="12FFFE"/>
+                </a:solidFill>
+              </a:rPr>
+              <a:t>Implementation</a:t>
+            </a:r>
+          </a:p>
+        </p:txBody>
+      </p:sp>
+      <p:sp>
+        <p:nvSpPr>
+          <p:cNvPr id="7" name="Text Placeholder 6">
+            <a:extLst>
+              <a:ext uri="{FF2B5EF4-FFF2-40B4-BE49-F238E27FC236}">
+                <a16:creationId xmlns:a16="http://schemas.microsoft.com/office/drawing/2014/main" id="{45F63788-D675-4474-98AF-5CA7F8F0538A}"/>
+              </a:ext>
+            </a:extLst>
+          </p:cNvPr>
+          <p:cNvSpPr>
+            <a:spLocks noGrp="1"/>
+          </p:cNvSpPr>
+          <p:nvPr>
+            <p:ph type="body" idx="29"/>
+          </p:nvPr>
+        </p:nvSpPr>
+        <p:spPr>
+          <a:xfrm>
+            <a:off x="677422" y="2021109"/>
+            <a:ext cx="2915732" cy="360000"/>
+          </a:xfrm>
+        </p:spPr>
+        <p:txBody>
+          <a:bodyPr/>
+          <a:lstStyle/>
+          <a:p>
+            <a:pPr algn="ctr"/>
+            <a:r>
+              <a:rPr lang="en-US" dirty="0">
+                <a:solidFill>
+                  <a:schemeClr val="tx1"/>
+                </a:solidFill>
+              </a:rPr>
+              <a:t>Text input screen</a:t>
+            </a:r>
+          </a:p>
+        </p:txBody>
+      </p:sp>
+      <p:sp>
+        <p:nvSpPr>
+          <p:cNvPr id="8" name="Text Placeholder 7">
+            <a:extLst>
+              <a:ext uri="{FF2B5EF4-FFF2-40B4-BE49-F238E27FC236}">
+                <a16:creationId xmlns:a16="http://schemas.microsoft.com/office/drawing/2014/main" id="{B44E1CC1-FC76-4F7F-B7FD-5BF8B23A0369}"/>
+              </a:ext>
+            </a:extLst>
+          </p:cNvPr>
+          <p:cNvSpPr>
+            <a:spLocks noGrp="1"/>
+          </p:cNvSpPr>
+          <p:nvPr>
+            <p:ph type="body" idx="31"/>
+          </p:nvPr>
+        </p:nvSpPr>
+        <p:spPr>
+          <a:xfrm>
+            <a:off x="4744791" y="2021109"/>
+            <a:ext cx="2915732" cy="360000"/>
+          </a:xfrm>
+        </p:spPr>
+        <p:txBody>
+          <a:bodyPr/>
+          <a:lstStyle/>
+          <a:p>
+            <a:pPr algn="ctr"/>
+            <a:r>
+              <a:rPr lang="en-US" dirty="0">
+                <a:solidFill>
+                  <a:schemeClr val="tx1"/>
+                </a:solidFill>
+              </a:rPr>
+              <a:t>Movie Review Screen</a:t>
+            </a:r>
+          </a:p>
+        </p:txBody>
+      </p:sp>
+      <p:sp>
+        <p:nvSpPr>
+          <p:cNvPr id="4" name="Slide Number Placeholder 3">
+            <a:extLst>
+              <a:ext uri="{FF2B5EF4-FFF2-40B4-BE49-F238E27FC236}">
+                <a16:creationId xmlns:a16="http://schemas.microsoft.com/office/drawing/2014/main" id="{EB1FE36B-32AA-4E32-8EB1-0BF1B74BAC4C}"/>
+              </a:ext>
+            </a:extLst>
+          </p:cNvPr>
+          <p:cNvSpPr>
+            <a:spLocks noGrp="1"/>
+          </p:cNvSpPr>
+          <p:nvPr>
+            <p:ph type="sldNum" sz="quarter" idx="12"/>
+          </p:nvPr>
+        </p:nvSpPr>
+        <p:spPr/>
+        <p:txBody>
+          <a:bodyPr/>
+          <a:lstStyle/>
+          <a:p>
+            <a:fld id="{8D581BC7-E183-40DB-AC97-C19EA4EB8894}" type="slidenum">
+              <a:rPr lang="en-US" smtClean="0"/>
+              <a:t>11</a:t>
+            </a:fld>
+            <a:endParaRPr lang="en-US" dirty="0"/>
+          </a:p>
+        </p:txBody>
+      </p:sp>
+      <p:sp>
+        <p:nvSpPr>
+          <p:cNvPr id="18" name="TextBox 17">
+            <a:extLst>
+              <a:ext uri="{FF2B5EF4-FFF2-40B4-BE49-F238E27FC236}">
+                <a16:creationId xmlns:a16="http://schemas.microsoft.com/office/drawing/2014/main" id="{6775B728-CE29-47D5-A5E7-D9B79CA9EA0A}"/>
+              </a:ext>
+            </a:extLst>
+          </p:cNvPr>
+          <p:cNvSpPr txBox="1"/>
+          <p:nvPr/>
+        </p:nvSpPr>
+        <p:spPr>
+          <a:xfrm>
+            <a:off x="8445873" y="1991722"/>
+            <a:ext cx="3399112" cy="400110"/>
+          </a:xfrm>
+          <a:prstGeom prst="rect">
+            <a:avLst/>
+          </a:prstGeom>
+          <a:noFill/>
+        </p:spPr>
+        <p:txBody>
+          <a:bodyPr wrap="square" rtlCol="0">
+            <a:spAutoFit/>
+          </a:bodyPr>
+          <a:lstStyle/>
+          <a:p>
+            <a:pPr algn="ctr"/>
+            <a:r>
+              <a:rPr lang="en-US" sz="2000" b="1" dirty="0">
+                <a:latin typeface="+mj-lt"/>
+              </a:rPr>
+              <a:t>Voice Input Screen</a:t>
+            </a:r>
+            <a:endParaRPr lang="en-IN" sz="2000" b="1" dirty="0">
+              <a:latin typeface="+mj-lt"/>
+            </a:endParaRPr>
+          </a:p>
+        </p:txBody>
+      </p:sp>
+      <p:pic>
+        <p:nvPicPr>
+          <p:cNvPr id="2" name="Picture 1">
+            <a:extLst>
+              <a:ext uri="{FF2B5EF4-FFF2-40B4-BE49-F238E27FC236}">
+                <a16:creationId xmlns:a16="http://schemas.microsoft.com/office/drawing/2014/main" id="{1535C999-246F-455E-93AC-2B3D350FEFAA}"/>
+              </a:ext>
+            </a:extLst>
+          </p:cNvPr>
+          <p:cNvPicPr>
+            <a:picLocks noChangeAspect="1"/>
+          </p:cNvPicPr>
+          <p:nvPr/>
+        </p:nvPicPr>
+        <p:blipFill>
+          <a:blip r:embed="rId2"/>
+          <a:stretch>
+            <a:fillRect/>
+          </a:stretch>
+        </p:blipFill>
+        <p:spPr>
+          <a:xfrm>
+            <a:off x="299904" y="2434089"/>
+            <a:ext cx="3673417" cy="2897551"/>
+          </a:xfrm>
+          <a:prstGeom prst="rect">
+            <a:avLst/>
+          </a:prstGeom>
+        </p:spPr>
+      </p:pic>
+      <p:pic>
+        <p:nvPicPr>
+          <p:cNvPr id="3" name="Picture 2">
+            <a:extLst>
+              <a:ext uri="{FF2B5EF4-FFF2-40B4-BE49-F238E27FC236}">
+                <a16:creationId xmlns:a16="http://schemas.microsoft.com/office/drawing/2014/main" id="{E4F93F9A-B764-40C5-9033-9C131C2B2206}"/>
+              </a:ext>
+            </a:extLst>
+          </p:cNvPr>
+          <p:cNvPicPr>
+            <a:picLocks noChangeAspect="1"/>
+          </p:cNvPicPr>
+          <p:nvPr/>
+        </p:nvPicPr>
+        <p:blipFill>
+          <a:blip r:embed="rId3"/>
+          <a:stretch>
+            <a:fillRect/>
+          </a:stretch>
+        </p:blipFill>
+        <p:spPr>
+          <a:xfrm>
+            <a:off x="4365948" y="2448799"/>
+            <a:ext cx="3673417" cy="2890196"/>
+          </a:xfrm>
+          <a:prstGeom prst="rect">
+            <a:avLst/>
+          </a:prstGeom>
+        </p:spPr>
+      </p:pic>
+      <p:pic>
+        <p:nvPicPr>
+          <p:cNvPr id="6" name="Picture 5">
+            <a:extLst>
+              <a:ext uri="{FF2B5EF4-FFF2-40B4-BE49-F238E27FC236}">
+                <a16:creationId xmlns:a16="http://schemas.microsoft.com/office/drawing/2014/main" id="{6A52E307-A4F0-4768-B7E5-9E12F9512C7E}"/>
+              </a:ext>
+            </a:extLst>
+          </p:cNvPr>
+          <p:cNvPicPr>
+            <a:picLocks noChangeAspect="1"/>
+          </p:cNvPicPr>
+          <p:nvPr/>
+        </p:nvPicPr>
+        <p:blipFill>
+          <a:blip r:embed="rId4"/>
+          <a:stretch>
+            <a:fillRect/>
+          </a:stretch>
+        </p:blipFill>
+        <p:spPr>
+          <a:xfrm>
+            <a:off x="8317151" y="2434089"/>
+            <a:ext cx="3673416" cy="2901226"/>
+          </a:xfrm>
+          <a:prstGeom prst="rect">
+            <a:avLst/>
+          </a:prstGeom>
+        </p:spPr>
+      </p:pic>
+    </p:spTree>
+    <p:extLst>
+      <p:ext uri="{BB962C8B-B14F-4D97-AF65-F5344CB8AC3E}">
+        <p14:creationId xmlns:p14="http://schemas.microsoft.com/office/powerpoint/2010/main" val="4257882665"/>
+      </p:ext>
+    </p:extLst>
+  </p:cSld>
+  <p:clrMapOvr>
+    <a:masterClrMapping/>
+  </p:clrMapOvr>
+</p:sld>
+</file>
+
+<file path=ppt/slides/slide12.xml><?xml version="1.0" encoding="utf-8"?>
+<p:sld xmlns:a="http://schemas.openxmlformats.org/drawingml/2006/main" xmlns:r="http://schemas.openxmlformats.org/officeDocument/2006/relationships" xmlns:p="http://schemas.openxmlformats.org/presentationml/2006/main">
+  <p:cSld>
+    <p:spTree>
+      <p:nvGrpSpPr>
+        <p:cNvPr id="1" name=""/>
+        <p:cNvGrpSpPr/>
+        <p:nvPr/>
+      </p:nvGrpSpPr>
+      <p:grpSpPr>
+        <a:xfrm>
+          <a:off x="0" y="0"/>
+          <a:ext cx="0" cy="0"/>
+          <a:chOff x="0" y="0"/>
+          <a:chExt cx="0" cy="0"/>
+        </a:xfrm>
+      </p:grpSpPr>
+      <p:sp>
+        <p:nvSpPr>
+          <p:cNvPr id="2" name="Title 1">
+            <a:extLst>
+              <a:ext uri="{FF2B5EF4-FFF2-40B4-BE49-F238E27FC236}">
+                <a16:creationId xmlns:a16="http://schemas.microsoft.com/office/drawing/2014/main" id="{433DD631-7148-409D-9612-B302CAE80A45}"/>
+              </a:ext>
+            </a:extLst>
+          </p:cNvPr>
+          <p:cNvSpPr>
+            <a:spLocks noGrp="1"/>
+          </p:cNvSpPr>
+          <p:nvPr>
+            <p:ph type="title"/>
+          </p:nvPr>
+        </p:nvSpPr>
+        <p:spPr/>
+        <p:txBody>
+          <a:bodyPr/>
+          <a:lstStyle/>
+          <a:p>
+            <a:r>
+              <a:rPr lang="en-US" dirty="0">
+                <a:solidFill>
+                  <a:srgbClr val="12FFFE"/>
+                </a:solidFill>
+              </a:rPr>
+              <a:t>Conclusion</a:t>
+            </a:r>
+            <a:endParaRPr lang="en-US" dirty="0"/>
+          </a:p>
+        </p:txBody>
+      </p:sp>
+      <p:sp>
+        <p:nvSpPr>
+          <p:cNvPr id="3" name="Text Placeholder 2">
+            <a:extLst>
+              <a:ext uri="{FF2B5EF4-FFF2-40B4-BE49-F238E27FC236}">
+                <a16:creationId xmlns:a16="http://schemas.microsoft.com/office/drawing/2014/main" id="{E84CF07C-CD04-45B5-9BC2-F16602F12FA3}"/>
+              </a:ext>
+            </a:extLst>
+          </p:cNvPr>
+          <p:cNvSpPr>
+            <a:spLocks noGrp="1"/>
+          </p:cNvSpPr>
+          <p:nvPr>
+            <p:ph type="body" idx="1"/>
+          </p:nvPr>
+        </p:nvSpPr>
+        <p:spPr>
+          <a:xfrm>
+            <a:off x="826770" y="3890302"/>
+            <a:ext cx="5486566" cy="1988417"/>
+          </a:xfrm>
+        </p:spPr>
+        <p:txBody>
+          <a:bodyPr>
+            <a:normAutofit/>
+          </a:bodyPr>
+          <a:lstStyle/>
+          <a:p>
+            <a:r>
+              <a:rPr lang="en-US" dirty="0"/>
+              <a:t>In this paper, movie reviews and Statements are classified into positive, negative or neutral . The system proposed in the paper can be used to classify a huge database of movie reviews. This will help movie producers to check the status of their movie. Future work, this API can be trained for other reviews like smartphones, laptops or clothes etc.</a:t>
+            </a:r>
+          </a:p>
+        </p:txBody>
+      </p:sp>
+      <p:sp>
+        <p:nvSpPr>
+          <p:cNvPr id="5" name="Footer Placeholder 4">
+            <a:extLst>
+              <a:ext uri="{FF2B5EF4-FFF2-40B4-BE49-F238E27FC236}">
+                <a16:creationId xmlns:a16="http://schemas.microsoft.com/office/drawing/2014/main" id="{AE4E5047-F9CB-4616-AFFD-F71820AFEEE5}"/>
+              </a:ext>
+            </a:extLst>
+          </p:cNvPr>
+          <p:cNvSpPr>
+            <a:spLocks noGrp="1"/>
+          </p:cNvSpPr>
+          <p:nvPr>
+            <p:ph type="ftr" sz="quarter" idx="11"/>
+          </p:nvPr>
+        </p:nvSpPr>
+        <p:spPr/>
+        <p:txBody>
+          <a:bodyPr/>
+          <a:lstStyle/>
+          <a:p>
+            <a:r>
+              <a:rPr lang="en-US" noProof="0"/>
+              <a:t>ADD A FOOTER</a:t>
+            </a:r>
+            <a:endParaRPr lang="en-US" noProof="0" dirty="0"/>
+          </a:p>
+        </p:txBody>
+      </p:sp>
+      <p:sp>
+        <p:nvSpPr>
+          <p:cNvPr id="6" name="Slide Number Placeholder 5">
+            <a:extLst>
+              <a:ext uri="{FF2B5EF4-FFF2-40B4-BE49-F238E27FC236}">
+                <a16:creationId xmlns:a16="http://schemas.microsoft.com/office/drawing/2014/main" id="{C661FCA8-4226-43CA-A5E5-B34B1440DCD8}"/>
+              </a:ext>
+            </a:extLst>
+          </p:cNvPr>
+          <p:cNvSpPr>
+            <a:spLocks noGrp="1"/>
+          </p:cNvSpPr>
+          <p:nvPr>
+            <p:ph type="sldNum" sz="quarter" idx="12"/>
+          </p:nvPr>
+        </p:nvSpPr>
+        <p:spPr/>
+        <p:txBody>
+          <a:bodyPr/>
+          <a:lstStyle/>
+          <a:p>
+            <a:fld id="{8D581BC7-E183-40DB-AC97-C19EA4EB8894}" type="slidenum">
+              <a:rPr lang="en-US" noProof="0" smtClean="0"/>
+              <a:t>12</a:t>
+            </a:fld>
+            <a:endParaRPr lang="en-US" noProof="0" dirty="0"/>
+          </a:p>
+        </p:txBody>
+      </p:sp>
+      <p:pic>
+        <p:nvPicPr>
+          <p:cNvPr id="12" name="Picture Placeholder 19" descr="Abstract background&#10;">
+            <a:extLst>
+              <a:ext uri="{FF2B5EF4-FFF2-40B4-BE49-F238E27FC236}">
+                <a16:creationId xmlns:a16="http://schemas.microsoft.com/office/drawing/2014/main" id="{22826BA6-A4EC-4462-B626-A4A2983DC2B8}"/>
+              </a:ext>
+            </a:extLst>
+          </p:cNvPr>
+          <p:cNvPicPr>
+            <a:picLocks noGrp="1" noChangeAspect="1"/>
+          </p:cNvPicPr>
+          <p:nvPr>
+            <p:ph type="tbl" sz="quarter" idx="14"/>
+          </p:nvPr>
+        </p:nvPicPr>
+        <p:blipFill>
+          <a:blip r:embed="rId2">
+            <a:extLst>
+              <a:ext uri="{28A0092B-C50C-407E-A947-70E740481C1C}">
+                <a14:useLocalDpi xmlns:a14="http://schemas.microsoft.com/office/drawing/2010/main" val="0"/>
+              </a:ext>
+            </a:extLst>
+          </a:blip>
+          <a:srcRect/>
+          <a:stretch>
+            <a:fillRect/>
+          </a:stretch>
+        </p:blipFill>
+        <p:spPr>
+          <a:xfrm>
+            <a:off x="7256890" y="256894"/>
+            <a:ext cx="3824523" cy="6344211"/>
+          </a:xfrm>
+        </p:spPr>
+      </p:pic>
+    </p:spTree>
+    <p:extLst>
+      <p:ext uri="{BB962C8B-B14F-4D97-AF65-F5344CB8AC3E}">
+        <p14:creationId xmlns:p14="http://schemas.microsoft.com/office/powerpoint/2010/main" val="3600657900"/>
+      </p:ext>
+    </p:extLst>
+  </p:cSld>
+  <p:clrMapOvr>
+    <a:masterClrMapping/>
+  </p:clrMapOvr>
+</p:sld>
+</file>
+
+<file path=ppt/slides/slide13.xml><?xml version="1.0" encoding="utf-8"?>
+<p:sld xmlns:a="http://schemas.openxmlformats.org/drawingml/2006/main" xmlns:r="http://schemas.openxmlformats.org/officeDocument/2006/relationships" xmlns:p="http://schemas.openxmlformats.org/presentationml/2006/main">
+  <p:cSld>
+    <p:spTree>
+      <p:nvGrpSpPr>
+        <p:cNvPr id="1" name=""/>
+        <p:cNvGrpSpPr/>
+        <p:nvPr/>
+      </p:nvGrpSpPr>
+      <p:grpSpPr>
+        <a:xfrm>
+          <a:off x="0" y="0"/>
+          <a:ext cx="0" cy="0"/>
+          <a:chOff x="0" y="0"/>
+          <a:chExt cx="0" cy="0"/>
+        </a:xfrm>
+      </p:grpSpPr>
+      <p:sp>
+        <p:nvSpPr>
+          <p:cNvPr id="2" name="Title 1">
+            <a:extLst>
+              <a:ext uri="{FF2B5EF4-FFF2-40B4-BE49-F238E27FC236}">
+                <a16:creationId xmlns:a16="http://schemas.microsoft.com/office/drawing/2014/main" id="{FB43C89C-4F29-4363-9CCD-DDA3A5C0E248}"/>
+              </a:ext>
+            </a:extLst>
+          </p:cNvPr>
+          <p:cNvSpPr>
+            <a:spLocks noGrp="1"/>
+          </p:cNvSpPr>
+          <p:nvPr>
+            <p:ph type="title"/>
+          </p:nvPr>
+        </p:nvSpPr>
+        <p:spPr/>
+        <p:txBody>
+          <a:bodyPr/>
+          <a:lstStyle/>
+          <a:p>
+            <a:r>
+              <a:rPr lang="en-US" dirty="0">
+                <a:solidFill>
+                  <a:srgbClr val="12FFFE"/>
+                </a:solidFill>
+              </a:rPr>
+              <a:t>References</a:t>
+            </a:r>
+            <a:endParaRPr lang="en-US" dirty="0"/>
+          </a:p>
+        </p:txBody>
+      </p:sp>
+      <p:sp>
+        <p:nvSpPr>
+          <p:cNvPr id="3" name="Text Placeholder 2">
+            <a:extLst>
+              <a:ext uri="{FF2B5EF4-FFF2-40B4-BE49-F238E27FC236}">
+                <a16:creationId xmlns:a16="http://schemas.microsoft.com/office/drawing/2014/main" id="{FDDC6655-E92D-4C69-9991-947D52439446}"/>
+              </a:ext>
+            </a:extLst>
+          </p:cNvPr>
+          <p:cNvSpPr>
+            <a:spLocks noGrp="1"/>
+          </p:cNvSpPr>
+          <p:nvPr>
+            <p:ph type="body" idx="1"/>
+          </p:nvPr>
+        </p:nvSpPr>
+        <p:spPr>
+          <a:xfrm>
+            <a:off x="826769" y="3244567"/>
+            <a:ext cx="7021168" cy="2440616"/>
+          </a:xfrm>
+        </p:spPr>
+        <p:txBody>
+          <a:bodyPr>
+            <a:normAutofit fontScale="62500" lnSpcReduction="20000"/>
+          </a:bodyPr>
+          <a:lstStyle/>
+          <a:p>
+            <a:r>
+              <a:rPr lang="en-US" dirty="0" err="1"/>
+              <a:t>Hemamalini</a:t>
+            </a:r>
+            <a:r>
+              <a:rPr lang="en-US" dirty="0"/>
+              <a:t>, </a:t>
+            </a:r>
+            <a:r>
+              <a:rPr lang="en-US" dirty="0" err="1"/>
+              <a:t>Dr.S</a:t>
+            </a:r>
+            <a:r>
+              <a:rPr lang="en-US" dirty="0"/>
+              <a:t>. Perumal,  LITERATURE REVIEW ON SENTIMENT ANALYSIS, ISSN 2277-8616</a:t>
+            </a:r>
+          </a:p>
+          <a:p>
+            <a:r>
+              <a:rPr lang="en-US" dirty="0" err="1"/>
+              <a:t>Kivy</a:t>
+            </a:r>
+            <a:r>
+              <a:rPr lang="en-US" dirty="0"/>
+              <a:t> framework — </a:t>
+            </a:r>
+            <a:r>
+              <a:rPr lang="en-US" dirty="0" err="1"/>
+              <a:t>Kivy</a:t>
+            </a:r>
+            <a:r>
+              <a:rPr lang="en-US" dirty="0"/>
+              <a:t> 2.0.0 documentation</a:t>
+            </a:r>
+          </a:p>
+          <a:p>
+            <a:r>
+              <a:rPr lang="en-US" dirty="0" err="1"/>
+              <a:t>TextBlob</a:t>
+            </a:r>
+            <a:r>
+              <a:rPr lang="en-US" dirty="0"/>
+              <a:t>: Simplified Text Processing — </a:t>
+            </a:r>
+            <a:r>
+              <a:rPr lang="en-US" dirty="0" err="1"/>
+              <a:t>TextBlob</a:t>
+            </a:r>
+            <a:r>
+              <a:rPr lang="en-US" dirty="0"/>
+              <a:t> 0.16.0 documentation</a:t>
+            </a:r>
+          </a:p>
+          <a:p>
+            <a:r>
+              <a:rPr lang="en-US" dirty="0" err="1"/>
+              <a:t>PyAudio</a:t>
+            </a:r>
+            <a:r>
+              <a:rPr lang="en-US" dirty="0"/>
+              <a:t> · </a:t>
+            </a:r>
+            <a:r>
+              <a:rPr lang="en-US" dirty="0" err="1"/>
+              <a:t>PyPI</a:t>
+            </a:r>
+            <a:endParaRPr lang="en-US" dirty="0"/>
+          </a:p>
+          <a:p>
+            <a:r>
+              <a:rPr lang="en-US" dirty="0" err="1"/>
+              <a:t>PyMySQL</a:t>
+            </a:r>
+            <a:r>
+              <a:rPr lang="en-US" dirty="0"/>
+              <a:t> · </a:t>
+            </a:r>
+            <a:r>
+              <a:rPr lang="en-US" dirty="0" err="1"/>
+              <a:t>PyPI</a:t>
+            </a:r>
+            <a:endParaRPr lang="en-US" dirty="0"/>
+          </a:p>
+          <a:p>
+            <a:r>
+              <a:rPr lang="en-US" dirty="0" err="1"/>
+              <a:t>SpeechRecognition</a:t>
+            </a:r>
+            <a:r>
+              <a:rPr lang="en-US" dirty="0"/>
+              <a:t> · </a:t>
+            </a:r>
+            <a:r>
+              <a:rPr lang="en-US" dirty="0" err="1"/>
+              <a:t>PyPI</a:t>
+            </a:r>
+            <a:endParaRPr lang="en-US" dirty="0"/>
+          </a:p>
+          <a:p>
+            <a:r>
+              <a:rPr lang="en-US" dirty="0" err="1"/>
+              <a:t>KivyMD</a:t>
+            </a:r>
+            <a:r>
+              <a:rPr lang="en-US" dirty="0"/>
+              <a:t> 0.104.2.dev0 documentation</a:t>
+            </a:r>
+          </a:p>
+          <a:p>
+            <a:r>
+              <a:rPr lang="en-US" dirty="0"/>
+              <a:t>Use Sentiment Analysis With Python to Classify Movie Reviews – Real Python</a:t>
+            </a:r>
+          </a:p>
+          <a:p>
+            <a:r>
+              <a:rPr lang="en-US" dirty="0"/>
+              <a:t>Sentiment Analysis: How Does It Work? Why Should We Use It? | </a:t>
+            </a:r>
+            <a:r>
+              <a:rPr lang="en-US" dirty="0" err="1"/>
+              <a:t>Brandwatch</a:t>
+            </a:r>
+            <a:endParaRPr lang="en-US" dirty="0"/>
+          </a:p>
+          <a:p>
+            <a:endParaRPr lang="en-US" dirty="0"/>
+          </a:p>
+        </p:txBody>
+      </p:sp>
+      <p:sp>
+        <p:nvSpPr>
+          <p:cNvPr id="6" name="Slide Number Placeholder 5">
+            <a:extLst>
+              <a:ext uri="{FF2B5EF4-FFF2-40B4-BE49-F238E27FC236}">
+                <a16:creationId xmlns:a16="http://schemas.microsoft.com/office/drawing/2014/main" id="{47AC88B0-F0A1-4D95-B798-CAC4F3069A51}"/>
+              </a:ext>
+            </a:extLst>
+          </p:cNvPr>
+          <p:cNvSpPr>
+            <a:spLocks noGrp="1"/>
+          </p:cNvSpPr>
+          <p:nvPr>
+            <p:ph type="sldNum" sz="quarter" idx="12"/>
+          </p:nvPr>
+        </p:nvSpPr>
+        <p:spPr/>
+        <p:txBody>
+          <a:bodyPr/>
+          <a:lstStyle/>
+          <a:p>
+            <a:fld id="{8D581BC7-E183-40DB-AC97-C19EA4EB8894}" type="slidenum">
+              <a:rPr lang="en-US" noProof="0" smtClean="0"/>
+              <a:t>13</a:t>
+            </a:fld>
+            <a:endParaRPr lang="en-US" noProof="0" dirty="0"/>
+          </a:p>
+        </p:txBody>
+      </p:sp>
+      <p:pic>
+        <p:nvPicPr>
+          <p:cNvPr id="10" name="Table Placeholder 8">
+            <a:extLst>
+              <a:ext uri="{FF2B5EF4-FFF2-40B4-BE49-F238E27FC236}">
+                <a16:creationId xmlns:a16="http://schemas.microsoft.com/office/drawing/2014/main" id="{7944D156-E763-40A0-B99F-8140CC7613D1}"/>
+              </a:ext>
+            </a:extLst>
+          </p:cNvPr>
+          <p:cNvPicPr>
+            <a:picLocks noGrp="1" noChangeAspect="1"/>
+          </p:cNvPicPr>
+          <p:nvPr>
+            <p:ph type="pic" sz="quarter" idx="15"/>
+          </p:nvPr>
+        </p:nvPicPr>
+        <p:blipFill>
+          <a:blip r:embed="rId2"/>
+          <a:srcRect t="29309" b="29309"/>
+          <a:stretch>
+            <a:fillRect/>
+          </a:stretch>
+        </p:blipFill>
+        <p:spPr>
+          <a:xfrm rot="5400000">
+            <a:off x="7057393" y="2051730"/>
+            <a:ext cx="5823312" cy="2477035"/>
+          </a:xfrm>
+          <a:prstGeom prst="rect">
+            <a:avLst/>
+          </a:prstGeom>
+        </p:spPr>
+      </p:pic>
+      <p:pic>
+        <p:nvPicPr>
+          <p:cNvPr id="11" name="Picture Placeholder 14" descr="Abstract background">
+            <a:extLst>
+              <a:ext uri="{FF2B5EF4-FFF2-40B4-BE49-F238E27FC236}">
+                <a16:creationId xmlns:a16="http://schemas.microsoft.com/office/drawing/2014/main" id="{34AB5FA5-36E9-49B2-9BF2-0AACBDE7BFF1}"/>
+              </a:ext>
+            </a:extLst>
+          </p:cNvPr>
+          <p:cNvPicPr>
+            <a:picLocks noChangeAspect="1"/>
+          </p:cNvPicPr>
+          <p:nvPr/>
+        </p:nvPicPr>
+        <p:blipFill>
+          <a:blip r:embed="rId3">
+            <a:extLst>
+              <a:ext uri="{28A0092B-C50C-407E-A947-70E740481C1C}">
+                <a14:useLocalDpi xmlns:a14="http://schemas.microsoft.com/office/drawing/2010/main" val="0"/>
+              </a:ext>
+            </a:extLst>
+          </a:blip>
+          <a:srcRect/>
+          <a:stretch>
+            <a:fillRect/>
+          </a:stretch>
+        </p:blipFill>
+        <p:spPr>
+          <a:xfrm>
+            <a:off x="7033619" y="92744"/>
+            <a:ext cx="4905956" cy="6386665"/>
+          </a:xfrm>
+          <a:prstGeom prst="rect">
+            <a:avLst/>
+          </a:prstGeom>
+        </p:spPr>
+      </p:pic>
+    </p:spTree>
+    <p:extLst>
+      <p:ext uri="{BB962C8B-B14F-4D97-AF65-F5344CB8AC3E}">
+        <p14:creationId xmlns:p14="http://schemas.microsoft.com/office/powerpoint/2010/main" val="1999589373"/>
+      </p:ext>
+    </p:extLst>
+  </p:cSld>
+  <p:clrMapOvr>
+    <a:masterClrMapping/>
+  </p:clrMapOvr>
+</p:sld>
+</file>
+
+<file path=ppt/slides/slide14.xml><?xml version="1.0" encoding="utf-8"?>
+<p:sld xmlns:a="http://schemas.openxmlformats.org/drawingml/2006/main" xmlns:r="http://schemas.openxmlformats.org/officeDocument/2006/relationships" xmlns:p="http://schemas.openxmlformats.org/presentationml/2006/main">
+  <p:cSld>
+    <p:spTree>
+      <p:nvGrpSpPr>
+        <p:cNvPr id="1" name=""/>
+        <p:cNvGrpSpPr/>
+        <p:nvPr/>
+      </p:nvGrpSpPr>
+      <p:grpSpPr>
+        <a:xfrm>
+          <a:off x="0" y="0"/>
+          <a:ext cx="0" cy="0"/>
+          <a:chOff x="0" y="0"/>
+          <a:chExt cx="0" cy="0"/>
+        </a:xfrm>
+      </p:grpSpPr>
+      <p:sp>
+        <p:nvSpPr>
           <p:cNvPr id="6" name="Title 5">
             <a:extLst>
               <a:ext uri="{FF2B5EF4-FFF2-40B4-BE49-F238E27FC236}">
@@ -45107,8 +45922,8 @@
         </p:nvSpPr>
         <p:spPr>
           <a:xfrm>
-            <a:off x="6894591" y="2636668"/>
-            <a:ext cx="4482996" cy="2985503"/>
+            <a:off x="6894590" y="2636668"/>
+            <a:ext cx="5223197" cy="2985503"/>
           </a:xfrm>
         </p:spPr>
         <p:txBody>
@@ -45120,134 +45935,35 @@
             <a:endParaRPr lang="en-IN" dirty="0"/>
           </a:p>
           <a:p>
+            <a:pPr marL="0" indent="0">
+              <a:buNone/>
+            </a:pPr>
             <a:r>
               <a:rPr lang="en-IN" b="1" dirty="0">
                 <a:solidFill>
                   <a:schemeClr val="tx1"/>
                 </a:solidFill>
               </a:rPr>
-              <a:t>Hemamalini, Dr.S. Perumal,  LITERATURE REVIEW ON SENTIMENT ANALYSIS, ISSN 2277-8616 </a:t>
+              <a:t>LITERATURE REVIEW ON SENTIMENT ANALYSIS, ISSN 2277-8616 </a:t>
             </a:r>
-            <a:endParaRPr lang="en-US" b="1" dirty="0">
-              <a:solidFill>
-                <a:schemeClr val="tx1"/>
-              </a:solidFill>
-              <a:hlinkClick r:id="rId2">
-                <a:extLst>
-                  <a:ext uri="{A12FA001-AC4F-418D-AE19-62706E023703}">
-                    <ahyp:hlinkClr xmlns:ahyp="http://schemas.microsoft.com/office/drawing/2018/hyperlinkcolor" val="tx"/>
-                  </a:ext>
-                </a:extLst>
-              </a:hlinkClick>
-            </a:endParaRPr>
-          </a:p>
-          <a:p>
+          </a:p>
+          <a:p>
+            <a:pPr marL="0" indent="0">
+              <a:buNone/>
+            </a:pPr>
             <a:r>
-              <a:rPr lang="en-US" b="1" dirty="0">
-                <a:solidFill>
-                  <a:schemeClr val="tx1"/>
-                </a:solidFill>
-                <a:hlinkClick r:id="rId2">
-                  <a:extLst>
-                    <a:ext uri="{A12FA001-AC4F-418D-AE19-62706E023703}">
-                      <ahyp:hlinkClr xmlns:ahyp="http://schemas.microsoft.com/office/drawing/2018/hyperlinkcolor" val="tx"/>
-                    </a:ext>
-                  </a:extLst>
-                </a:hlinkClick>
+              <a:rPr lang="en-US" sz="1400" b="0" i="0" u="none" strike="noStrike" dirty="0">
+                <a:solidFill>
+                  <a:srgbClr val="01B5B5"/>
+                </a:solidFill>
+                <a:effectLst/>
+                <a:latin typeface="Times" panose="02020603050405020304" pitchFamily="18" charset="0"/>
               </a:rPr>
-              <a:t>Kivy framework — Kivy 2.0.0 documentation</a:t>
-            </a:r>
-            <a:endParaRPr lang="en-US" b="1" dirty="0">
-              <a:solidFill>
-                <a:schemeClr val="tx1"/>
-              </a:solidFill>
-            </a:endParaRPr>
-          </a:p>
-          <a:p>
-            <a:r>
-              <a:rPr lang="en-IN" b="1" dirty="0">
-                <a:solidFill>
-                  <a:schemeClr val="tx1"/>
-                </a:solidFill>
-                <a:hlinkClick r:id="rId3">
-                  <a:extLst>
-                    <a:ext uri="{A12FA001-AC4F-418D-AE19-62706E023703}">
-                      <ahyp:hlinkClr xmlns:ahyp="http://schemas.microsoft.com/office/drawing/2018/hyperlinkcolor" val="tx"/>
-                    </a:ext>
-                  </a:extLst>
-                </a:hlinkClick>
-              </a:rPr>
-              <a:t>TextBlob: Simplified Text Processing — TextBlob 0.16.0 documentation</a:t>
+              <a:t>The emotions in textual data is analyzed and processed in Sentiment Analysis. In other words the Sentiment Analysis specifies that the given information is positive, negative or neutral about a specific topic or product. Due to this scenario it is widely termed as Opinion Mining. For processing the textual information Sentiment Analysis adapts the approaches of NLP (Natural language processing), AI (Artificial Intelligence) and ML (Machine Learning). Conclusively analysis of sentiment deals with the people's opinion about a particular topic or product.</a:t>
             </a:r>
             <a:endParaRPr lang="en-IN" b="1" dirty="0">
               <a:solidFill>
-                <a:schemeClr val="tx1"/>
-              </a:solidFill>
-            </a:endParaRPr>
-          </a:p>
-          <a:p>
-            <a:r>
-              <a:rPr lang="en-IN" b="1" dirty="0">
-                <a:solidFill>
-                  <a:schemeClr val="tx1"/>
-                </a:solidFill>
-                <a:hlinkClick r:id="rId4">
-                  <a:extLst>
-                    <a:ext uri="{A12FA001-AC4F-418D-AE19-62706E023703}">
-                      <ahyp:hlinkClr xmlns:ahyp="http://schemas.microsoft.com/office/drawing/2018/hyperlinkcolor" val="tx"/>
-                    </a:ext>
-                  </a:extLst>
-                </a:hlinkClick>
-              </a:rPr>
-              <a:t>PyAudio · PyPI</a:t>
-            </a:r>
-            <a:endParaRPr lang="en-IN" b="1" dirty="0">
-              <a:solidFill>
-                <a:schemeClr val="tx1"/>
-              </a:solidFill>
-            </a:endParaRPr>
-          </a:p>
-          <a:p>
-            <a:r>
-              <a:rPr lang="en-IN" b="1" dirty="0">
-                <a:solidFill>
-                  <a:schemeClr val="tx1"/>
-                </a:solidFill>
-                <a:hlinkClick r:id="rId5">
-                  <a:extLst>
-                    <a:ext uri="{A12FA001-AC4F-418D-AE19-62706E023703}">
-                      <ahyp:hlinkClr xmlns:ahyp="http://schemas.microsoft.com/office/drawing/2018/hyperlinkcolor" val="tx"/>
-                    </a:ext>
-                  </a:extLst>
-                </a:hlinkClick>
-              </a:rPr>
-              <a:t>PyMySQL · PyPI</a:t>
-            </a:r>
-            <a:endParaRPr lang="en-IN" b="1" dirty="0">
-              <a:solidFill>
-                <a:schemeClr val="tx1"/>
-              </a:solidFill>
-            </a:endParaRPr>
-          </a:p>
-          <a:p>
-            <a:r>
-              <a:rPr lang="en-IN" b="1" dirty="0">
-                <a:solidFill>
-                  <a:schemeClr val="tx1"/>
-                </a:solidFill>
-                <a:hlinkClick r:id="rId6">
-                  <a:extLst>
-                    <a:ext uri="{A12FA001-AC4F-418D-AE19-62706E023703}">
-                      <ahyp:hlinkClr xmlns:ahyp="http://schemas.microsoft.com/office/drawing/2018/hyperlinkcolor" val="tx"/>
-                    </a:ext>
-                  </a:extLst>
-                </a:hlinkClick>
-              </a:rPr>
-              <a:t>SpeechRecognition · PyPI</a:t>
-            </a:r>
-            <a:endParaRPr lang="en-IN" b="1" dirty="0">
-              <a:solidFill>
-                <a:schemeClr val="tx1"/>
+                <a:srgbClr val="01B5B5"/>
               </a:solidFill>
             </a:endParaRPr>
           </a:p>
@@ -45270,7 +45986,7 @@
           </p:nvPr>
         </p:nvPicPr>
         <p:blipFill>
-          <a:blip r:embed="rId7">
+          <a:blip r:embed="rId2">
             <a:extLst>
               <a:ext uri="{28A0092B-C50C-407E-A947-70E740481C1C}">
                 <a14:useLocalDpi xmlns:a14="http://schemas.microsoft.com/office/drawing/2010/main" val="0"/>
@@ -45604,12 +46320,14 @@
         </p:nvSpPr>
         <p:spPr>
           <a:xfrm>
-            <a:off x="1065917" y="3424754"/>
-            <a:ext cx="1209357" cy="640080"/>
-          </a:xfrm>
-        </p:spPr>
-        <p:txBody>
-          <a:bodyPr/>
+            <a:off x="1133135" y="2853802"/>
+            <a:ext cx="933932" cy="421145"/>
+          </a:xfrm>
+        </p:spPr>
+        <p:txBody>
+          <a:bodyPr>
+            <a:normAutofit/>
+          </a:bodyPr>
           <a:lstStyle/>
           <a:p>
             <a:r>
@@ -45635,9 +46353,16 @@
             <p:ph type="body" idx="14"/>
           </p:nvPr>
         </p:nvSpPr>
-        <p:spPr/>
-        <p:txBody>
-          <a:bodyPr/>
+        <p:spPr>
+          <a:xfrm>
+            <a:off x="2987687" y="2720888"/>
+            <a:ext cx="2061958" cy="421145"/>
+          </a:xfrm>
+        </p:spPr>
+        <p:txBody>
+          <a:bodyPr>
+            <a:normAutofit fontScale="77500" lnSpcReduction="20000"/>
+          </a:bodyPr>
           <a:lstStyle/>
           <a:p>
             <a:r>
@@ -45669,8 +46394,8 @@
         </p:nvSpPr>
         <p:spPr>
           <a:xfrm>
-            <a:off x="6924808" y="3424754"/>
-            <a:ext cx="1209357" cy="640080"/>
+            <a:off x="6759204" y="2790771"/>
+            <a:ext cx="933932" cy="421145"/>
           </a:xfrm>
         </p:spPr>
         <p:txBody>
@@ -45707,8 +46432,8 @@
         </p:blipFill>
         <p:spPr>
           <a:xfrm>
-            <a:off x="7625918" y="3125880"/>
-            <a:ext cx="699013" cy="806040"/>
+            <a:off x="7693136" y="2554929"/>
+            <a:ext cx="635404" cy="732692"/>
           </a:xfrm>
         </p:spPr>
       </p:pic>
@@ -45728,9 +46453,16 @@
             <p:ph type="body" idx="20"/>
           </p:nvPr>
         </p:nvSpPr>
-        <p:spPr/>
-        <p:txBody>
-          <a:bodyPr/>
+        <p:spPr>
+          <a:xfrm>
+            <a:off x="8885422" y="2692052"/>
+            <a:ext cx="2061958" cy="421145"/>
+          </a:xfrm>
+        </p:spPr>
+        <p:txBody>
+          <a:bodyPr>
+            <a:normAutofit fontScale="77500" lnSpcReduction="20000"/>
+          </a:bodyPr>
           <a:lstStyle/>
           <a:p>
             <a:r>
@@ -45762,8 +46494,8 @@
         </p:nvSpPr>
         <p:spPr>
           <a:xfrm>
-            <a:off x="1271481" y="4574238"/>
-            <a:ext cx="1209357" cy="640080"/>
+            <a:off x="1338699" y="4003286"/>
+            <a:ext cx="933932" cy="421145"/>
           </a:xfrm>
         </p:spPr>
         <p:txBody>
@@ -45800,8 +46532,8 @@
         </p:blipFill>
         <p:spPr>
           <a:xfrm>
-            <a:off x="2090460" y="4418464"/>
-            <a:ext cx="640080" cy="640080"/>
+            <a:off x="2157678" y="3847513"/>
+            <a:ext cx="581834" cy="581834"/>
           </a:xfrm>
         </p:spPr>
       </p:pic>
@@ -45821,9 +46553,16 @@
             <p:ph type="body" idx="17"/>
           </p:nvPr>
         </p:nvSpPr>
-        <p:spPr/>
-        <p:txBody>
-          <a:bodyPr/>
+        <p:spPr>
+          <a:xfrm>
+            <a:off x="2987687" y="3856656"/>
+            <a:ext cx="2061958" cy="421145"/>
+          </a:xfrm>
+        </p:spPr>
+        <p:txBody>
+          <a:bodyPr>
+            <a:normAutofit lnSpcReduction="10000"/>
+          </a:bodyPr>
           <a:lstStyle/>
           <a:p>
             <a:r>
@@ -45855,12 +46594,14 @@
         </p:nvSpPr>
         <p:spPr>
           <a:xfrm>
-            <a:off x="6640426" y="4427608"/>
-            <a:ext cx="1209357" cy="640080"/>
-          </a:xfrm>
-        </p:spPr>
-        <p:txBody>
-          <a:bodyPr/>
+            <a:off x="6707644" y="3856656"/>
+            <a:ext cx="933932" cy="421145"/>
+          </a:xfrm>
+        </p:spPr>
+        <p:txBody>
+          <a:bodyPr>
+            <a:normAutofit fontScale="70000" lnSpcReduction="20000"/>
+          </a:bodyPr>
           <a:lstStyle/>
           <a:p>
             <a:r>
@@ -45899,8 +46640,8 @@
         </p:blipFill>
         <p:spPr>
           <a:xfrm>
-            <a:off x="7625918" y="4411772"/>
-            <a:ext cx="733579" cy="655915"/>
+            <a:off x="7693136" y="3840822"/>
+            <a:ext cx="666824" cy="596228"/>
           </a:xfrm>
         </p:spPr>
       </p:pic>
@@ -45920,9 +46661,16 @@
             <p:ph type="body" idx="23"/>
           </p:nvPr>
         </p:nvSpPr>
-        <p:spPr/>
-        <p:txBody>
-          <a:bodyPr/>
+        <p:spPr>
+          <a:xfrm>
+            <a:off x="8910842" y="3897475"/>
+            <a:ext cx="2061958" cy="421145"/>
+          </a:xfrm>
+        </p:spPr>
+        <p:txBody>
+          <a:bodyPr>
+            <a:normAutofit lnSpcReduction="10000"/>
+          </a:bodyPr>
           <a:lstStyle/>
           <a:p>
             <a:r>
@@ -45989,7 +46737,996 @@
             <a:fillRect/>
           </a:stretch>
         </p:blipFill>
-        <p:spPr/>
+        <p:spPr>
+          <a:xfrm>
+            <a:off x="2157678" y="2702601"/>
+            <a:ext cx="581834" cy="598458"/>
+          </a:xfrm>
+        </p:spPr>
+      </p:pic>
+      <p:sp>
+        <p:nvSpPr>
+          <p:cNvPr id="20" name="Text Placeholder 9">
+            <a:extLst>
+              <a:ext uri="{FF2B5EF4-FFF2-40B4-BE49-F238E27FC236}">
+                <a16:creationId xmlns:a16="http://schemas.microsoft.com/office/drawing/2014/main" id="{7ACF2FC8-A38B-486F-B92E-5A28978D7437}"/>
+              </a:ext>
+            </a:extLst>
+          </p:cNvPr>
+          <p:cNvSpPr txBox="1">
+            <a:spLocks/>
+          </p:cNvSpPr>
+          <p:nvPr/>
+        </p:nvSpPr>
+        <p:spPr>
+          <a:xfrm>
+            <a:off x="885854" y="4961969"/>
+            <a:ext cx="1209357" cy="640080"/>
+          </a:xfrm>
+          <a:prstGeom prst="rect">
+            <a:avLst/>
+          </a:prstGeom>
+        </p:spPr>
+        <p:txBody>
+          <a:bodyPr vert="horz" lIns="0" tIns="0" rIns="0" bIns="0" rtlCol="0">
+            <a:normAutofit/>
+          </a:bodyPr>
+          <a:lstStyle>
+            <a:lvl1pPr marL="0" indent="0" algn="l" defTabSz="914400" rtl="0" eaLnBrk="1" latinLnBrk="0" hangingPunct="1">
+              <a:lnSpc>
+                <a:spcPct val="90000"/>
+              </a:lnSpc>
+              <a:spcBef>
+                <a:spcPts val="600"/>
+              </a:spcBef>
+              <a:buClr>
+                <a:schemeClr val="tx1"/>
+              </a:buClr>
+              <a:buFont typeface="Courier New" panose="02070309020205020404" pitchFamily="49" charset="0"/>
+              <a:buNone/>
+              <a:defRPr sz="2000" b="1" kern="1200">
+                <a:solidFill>
+                  <a:schemeClr val="bg2"/>
+                </a:solidFill>
+                <a:latin typeface="+mj-lt"/>
+                <a:ea typeface="+mn-ea"/>
+                <a:cs typeface="+mn-cs"/>
+              </a:defRPr>
+            </a:lvl1pPr>
+            <a:lvl2pPr marL="457200" indent="0" algn="l" defTabSz="914400" rtl="0" eaLnBrk="1" latinLnBrk="0" hangingPunct="1">
+              <a:lnSpc>
+                <a:spcPct val="90000"/>
+              </a:lnSpc>
+              <a:spcBef>
+                <a:spcPts val="500"/>
+              </a:spcBef>
+              <a:buFont typeface="Arial" panose="020B0604020202020204" pitchFamily="34" charset="0"/>
+              <a:buNone/>
+              <a:defRPr sz="2000" kern="1200">
+                <a:solidFill>
+                  <a:schemeClr val="tx1">
+                    <a:tint val="75000"/>
+                  </a:schemeClr>
+                </a:solidFill>
+                <a:latin typeface="+mn-lt"/>
+                <a:ea typeface="+mn-ea"/>
+                <a:cs typeface="+mn-cs"/>
+              </a:defRPr>
+            </a:lvl2pPr>
+            <a:lvl3pPr marL="914400" indent="0" algn="l" defTabSz="914400" rtl="0" eaLnBrk="1" latinLnBrk="0" hangingPunct="1">
+              <a:lnSpc>
+                <a:spcPct val="90000"/>
+              </a:lnSpc>
+              <a:spcBef>
+                <a:spcPts val="500"/>
+              </a:spcBef>
+              <a:buFont typeface="Arial" panose="020B0604020202020204" pitchFamily="34" charset="0"/>
+              <a:buNone/>
+              <a:defRPr sz="1800" kern="1200">
+                <a:solidFill>
+                  <a:schemeClr val="tx1">
+                    <a:tint val="75000"/>
+                  </a:schemeClr>
+                </a:solidFill>
+                <a:latin typeface="+mn-lt"/>
+                <a:ea typeface="+mn-ea"/>
+                <a:cs typeface="+mn-cs"/>
+              </a:defRPr>
+            </a:lvl3pPr>
+            <a:lvl4pPr marL="1371600" indent="0" algn="l" defTabSz="914400" rtl="0" eaLnBrk="1" latinLnBrk="0" hangingPunct="1">
+              <a:lnSpc>
+                <a:spcPct val="90000"/>
+              </a:lnSpc>
+              <a:spcBef>
+                <a:spcPts val="500"/>
+              </a:spcBef>
+              <a:buFont typeface="Arial" panose="020B0604020202020204" pitchFamily="34" charset="0"/>
+              <a:buNone/>
+              <a:defRPr sz="1600" kern="1200">
+                <a:solidFill>
+                  <a:schemeClr val="tx1">
+                    <a:tint val="75000"/>
+                  </a:schemeClr>
+                </a:solidFill>
+                <a:latin typeface="+mn-lt"/>
+                <a:ea typeface="+mn-ea"/>
+                <a:cs typeface="+mn-cs"/>
+              </a:defRPr>
+            </a:lvl4pPr>
+            <a:lvl5pPr marL="1828800" indent="0" algn="l" defTabSz="914400" rtl="0" eaLnBrk="1" latinLnBrk="0" hangingPunct="1">
+              <a:lnSpc>
+                <a:spcPct val="90000"/>
+              </a:lnSpc>
+              <a:spcBef>
+                <a:spcPts val="500"/>
+              </a:spcBef>
+              <a:buFont typeface="Arial" panose="020B0604020202020204" pitchFamily="34" charset="0"/>
+              <a:buNone/>
+              <a:defRPr sz="1600" kern="1200">
+                <a:solidFill>
+                  <a:schemeClr val="tx1">
+                    <a:tint val="75000"/>
+                  </a:schemeClr>
+                </a:solidFill>
+                <a:latin typeface="+mn-lt"/>
+                <a:ea typeface="+mn-ea"/>
+                <a:cs typeface="+mn-cs"/>
+              </a:defRPr>
+            </a:lvl5pPr>
+            <a:lvl6pPr marL="2286000" indent="0" algn="l" defTabSz="914400" rtl="0" eaLnBrk="1" latinLnBrk="0" hangingPunct="1">
+              <a:lnSpc>
+                <a:spcPct val="90000"/>
+              </a:lnSpc>
+              <a:spcBef>
+                <a:spcPts val="500"/>
+              </a:spcBef>
+              <a:buFont typeface="Arial" panose="020B0604020202020204" pitchFamily="34" charset="0"/>
+              <a:buNone/>
+              <a:defRPr sz="1600" kern="1200">
+                <a:solidFill>
+                  <a:schemeClr val="tx1">
+                    <a:tint val="75000"/>
+                  </a:schemeClr>
+                </a:solidFill>
+                <a:latin typeface="+mn-lt"/>
+                <a:ea typeface="+mn-ea"/>
+                <a:cs typeface="+mn-cs"/>
+              </a:defRPr>
+            </a:lvl6pPr>
+            <a:lvl7pPr marL="2743200" indent="0" algn="l" defTabSz="914400" rtl="0" eaLnBrk="1" latinLnBrk="0" hangingPunct="1">
+              <a:lnSpc>
+                <a:spcPct val="90000"/>
+              </a:lnSpc>
+              <a:spcBef>
+                <a:spcPts val="500"/>
+              </a:spcBef>
+              <a:buFont typeface="Arial" panose="020B0604020202020204" pitchFamily="34" charset="0"/>
+              <a:buNone/>
+              <a:defRPr sz="1600" kern="1200">
+                <a:solidFill>
+                  <a:schemeClr val="tx1">
+                    <a:tint val="75000"/>
+                  </a:schemeClr>
+                </a:solidFill>
+                <a:latin typeface="+mn-lt"/>
+                <a:ea typeface="+mn-ea"/>
+                <a:cs typeface="+mn-cs"/>
+              </a:defRPr>
+            </a:lvl7pPr>
+            <a:lvl8pPr marL="3200400" indent="0" algn="l" defTabSz="914400" rtl="0" eaLnBrk="1" latinLnBrk="0" hangingPunct="1">
+              <a:lnSpc>
+                <a:spcPct val="90000"/>
+              </a:lnSpc>
+              <a:spcBef>
+                <a:spcPts val="500"/>
+              </a:spcBef>
+              <a:buFont typeface="Arial" panose="020B0604020202020204" pitchFamily="34" charset="0"/>
+              <a:buNone/>
+              <a:defRPr sz="1600" kern="1200">
+                <a:solidFill>
+                  <a:schemeClr val="tx1">
+                    <a:tint val="75000"/>
+                  </a:schemeClr>
+                </a:solidFill>
+                <a:latin typeface="+mn-lt"/>
+                <a:ea typeface="+mn-ea"/>
+                <a:cs typeface="+mn-cs"/>
+              </a:defRPr>
+            </a:lvl8pPr>
+            <a:lvl9pPr marL="3657600" indent="0" algn="l" defTabSz="914400" rtl="0" eaLnBrk="1" latinLnBrk="0" hangingPunct="1">
+              <a:lnSpc>
+                <a:spcPct val="90000"/>
+              </a:lnSpc>
+              <a:spcBef>
+                <a:spcPts val="500"/>
+              </a:spcBef>
+              <a:buFont typeface="Arial" panose="020B0604020202020204" pitchFamily="34" charset="0"/>
+              <a:buNone/>
+              <a:defRPr sz="1600" kern="1200">
+                <a:solidFill>
+                  <a:schemeClr val="tx1">
+                    <a:tint val="75000"/>
+                  </a:schemeClr>
+                </a:solidFill>
+                <a:latin typeface="+mn-lt"/>
+                <a:ea typeface="+mn-ea"/>
+                <a:cs typeface="+mn-cs"/>
+              </a:defRPr>
+            </a:lvl9pPr>
+          </a:lstStyle>
+          <a:p>
+            <a:r>
+              <a:rPr lang="en-US" dirty="0" err="1"/>
+              <a:t>TextBlob</a:t>
+            </a:r>
+            <a:endParaRPr lang="en-US" dirty="0"/>
+          </a:p>
+        </p:txBody>
+      </p:sp>
+      <p:sp>
+        <p:nvSpPr>
+          <p:cNvPr id="22" name="Text Placeholder 7">
+            <a:extLst>
+              <a:ext uri="{FF2B5EF4-FFF2-40B4-BE49-F238E27FC236}">
+                <a16:creationId xmlns:a16="http://schemas.microsoft.com/office/drawing/2014/main" id="{BB5B667F-2704-4B5D-B50C-616CB9C7EDCD}"/>
+              </a:ext>
+            </a:extLst>
+          </p:cNvPr>
+          <p:cNvSpPr txBox="1">
+            <a:spLocks/>
+          </p:cNvSpPr>
+          <p:nvPr/>
+        </p:nvSpPr>
+        <p:spPr>
+          <a:xfrm>
+            <a:off x="2987687" y="4829055"/>
+            <a:ext cx="2670048" cy="640080"/>
+          </a:xfrm>
+          <a:prstGeom prst="rect">
+            <a:avLst/>
+          </a:prstGeom>
+        </p:spPr>
+        <p:txBody>
+          <a:bodyPr vert="horz" lIns="0" tIns="0" rIns="0" bIns="0" rtlCol="0">
+            <a:normAutofit/>
+          </a:bodyPr>
+          <a:lstStyle>
+            <a:lvl1pPr marL="0" indent="0" algn="l" defTabSz="914400" rtl="0" eaLnBrk="1" latinLnBrk="0" hangingPunct="1">
+              <a:lnSpc>
+                <a:spcPct val="100000"/>
+              </a:lnSpc>
+              <a:spcBef>
+                <a:spcPts val="600"/>
+              </a:spcBef>
+              <a:buClr>
+                <a:schemeClr val="tx1"/>
+              </a:buClr>
+              <a:buFont typeface="Courier New" panose="02070309020205020404" pitchFamily="49" charset="0"/>
+              <a:buNone/>
+              <a:defRPr sz="1400" kern="1200">
+                <a:solidFill>
+                  <a:schemeClr val="tx2"/>
+                </a:solidFill>
+                <a:latin typeface="+mn-lt"/>
+                <a:ea typeface="+mn-ea"/>
+                <a:cs typeface="+mn-cs"/>
+              </a:defRPr>
+            </a:lvl1pPr>
+            <a:lvl2pPr marL="457200" indent="0" algn="l" defTabSz="914400" rtl="0" eaLnBrk="1" latinLnBrk="0" hangingPunct="1">
+              <a:lnSpc>
+                <a:spcPct val="90000"/>
+              </a:lnSpc>
+              <a:spcBef>
+                <a:spcPts val="500"/>
+              </a:spcBef>
+              <a:buFont typeface="Arial" panose="020B0604020202020204" pitchFamily="34" charset="0"/>
+              <a:buNone/>
+              <a:defRPr sz="2000" kern="1200">
+                <a:solidFill>
+                  <a:schemeClr val="tx1">
+                    <a:tint val="75000"/>
+                  </a:schemeClr>
+                </a:solidFill>
+                <a:latin typeface="+mn-lt"/>
+                <a:ea typeface="+mn-ea"/>
+                <a:cs typeface="+mn-cs"/>
+              </a:defRPr>
+            </a:lvl2pPr>
+            <a:lvl3pPr marL="914400" indent="0" algn="l" defTabSz="914400" rtl="0" eaLnBrk="1" latinLnBrk="0" hangingPunct="1">
+              <a:lnSpc>
+                <a:spcPct val="90000"/>
+              </a:lnSpc>
+              <a:spcBef>
+                <a:spcPts val="500"/>
+              </a:spcBef>
+              <a:buFont typeface="Arial" panose="020B0604020202020204" pitchFamily="34" charset="0"/>
+              <a:buNone/>
+              <a:defRPr sz="1800" kern="1200">
+                <a:solidFill>
+                  <a:schemeClr val="tx1">
+                    <a:tint val="75000"/>
+                  </a:schemeClr>
+                </a:solidFill>
+                <a:latin typeface="+mn-lt"/>
+                <a:ea typeface="+mn-ea"/>
+                <a:cs typeface="+mn-cs"/>
+              </a:defRPr>
+            </a:lvl3pPr>
+            <a:lvl4pPr marL="1371600" indent="0" algn="l" defTabSz="914400" rtl="0" eaLnBrk="1" latinLnBrk="0" hangingPunct="1">
+              <a:lnSpc>
+                <a:spcPct val="90000"/>
+              </a:lnSpc>
+              <a:spcBef>
+                <a:spcPts val="500"/>
+              </a:spcBef>
+              <a:buFont typeface="Arial" panose="020B0604020202020204" pitchFamily="34" charset="0"/>
+              <a:buNone/>
+              <a:defRPr sz="1600" kern="1200">
+                <a:solidFill>
+                  <a:schemeClr val="tx1">
+                    <a:tint val="75000"/>
+                  </a:schemeClr>
+                </a:solidFill>
+                <a:latin typeface="+mn-lt"/>
+                <a:ea typeface="+mn-ea"/>
+                <a:cs typeface="+mn-cs"/>
+              </a:defRPr>
+            </a:lvl4pPr>
+            <a:lvl5pPr marL="1828800" indent="0" algn="l" defTabSz="914400" rtl="0" eaLnBrk="1" latinLnBrk="0" hangingPunct="1">
+              <a:lnSpc>
+                <a:spcPct val="90000"/>
+              </a:lnSpc>
+              <a:spcBef>
+                <a:spcPts val="500"/>
+              </a:spcBef>
+              <a:buFont typeface="Arial" panose="020B0604020202020204" pitchFamily="34" charset="0"/>
+              <a:buNone/>
+              <a:defRPr sz="1600" kern="1200">
+                <a:solidFill>
+                  <a:schemeClr val="tx1">
+                    <a:tint val="75000"/>
+                  </a:schemeClr>
+                </a:solidFill>
+                <a:latin typeface="+mn-lt"/>
+                <a:ea typeface="+mn-ea"/>
+                <a:cs typeface="+mn-cs"/>
+              </a:defRPr>
+            </a:lvl5pPr>
+            <a:lvl6pPr marL="2286000" indent="0" algn="l" defTabSz="914400" rtl="0" eaLnBrk="1" latinLnBrk="0" hangingPunct="1">
+              <a:lnSpc>
+                <a:spcPct val="90000"/>
+              </a:lnSpc>
+              <a:spcBef>
+                <a:spcPts val="500"/>
+              </a:spcBef>
+              <a:buFont typeface="Arial" panose="020B0604020202020204" pitchFamily="34" charset="0"/>
+              <a:buNone/>
+              <a:defRPr sz="1600" kern="1200">
+                <a:solidFill>
+                  <a:schemeClr val="tx1">
+                    <a:tint val="75000"/>
+                  </a:schemeClr>
+                </a:solidFill>
+                <a:latin typeface="+mn-lt"/>
+                <a:ea typeface="+mn-ea"/>
+                <a:cs typeface="+mn-cs"/>
+              </a:defRPr>
+            </a:lvl6pPr>
+            <a:lvl7pPr marL="2743200" indent="0" algn="l" defTabSz="914400" rtl="0" eaLnBrk="1" latinLnBrk="0" hangingPunct="1">
+              <a:lnSpc>
+                <a:spcPct val="90000"/>
+              </a:lnSpc>
+              <a:spcBef>
+                <a:spcPts val="500"/>
+              </a:spcBef>
+              <a:buFont typeface="Arial" panose="020B0604020202020204" pitchFamily="34" charset="0"/>
+              <a:buNone/>
+              <a:defRPr sz="1600" kern="1200">
+                <a:solidFill>
+                  <a:schemeClr val="tx1">
+                    <a:tint val="75000"/>
+                  </a:schemeClr>
+                </a:solidFill>
+                <a:latin typeface="+mn-lt"/>
+                <a:ea typeface="+mn-ea"/>
+                <a:cs typeface="+mn-cs"/>
+              </a:defRPr>
+            </a:lvl7pPr>
+            <a:lvl8pPr marL="3200400" indent="0" algn="l" defTabSz="914400" rtl="0" eaLnBrk="1" latinLnBrk="0" hangingPunct="1">
+              <a:lnSpc>
+                <a:spcPct val="90000"/>
+              </a:lnSpc>
+              <a:spcBef>
+                <a:spcPts val="500"/>
+              </a:spcBef>
+              <a:buFont typeface="Arial" panose="020B0604020202020204" pitchFamily="34" charset="0"/>
+              <a:buNone/>
+              <a:defRPr sz="1600" kern="1200">
+                <a:solidFill>
+                  <a:schemeClr val="tx1">
+                    <a:tint val="75000"/>
+                  </a:schemeClr>
+                </a:solidFill>
+                <a:latin typeface="+mn-lt"/>
+                <a:ea typeface="+mn-ea"/>
+                <a:cs typeface="+mn-cs"/>
+              </a:defRPr>
+            </a:lvl8pPr>
+            <a:lvl9pPr marL="3657600" indent="0" algn="l" defTabSz="914400" rtl="0" eaLnBrk="1" latinLnBrk="0" hangingPunct="1">
+              <a:lnSpc>
+                <a:spcPct val="90000"/>
+              </a:lnSpc>
+              <a:spcBef>
+                <a:spcPts val="500"/>
+              </a:spcBef>
+              <a:buFont typeface="Arial" panose="020B0604020202020204" pitchFamily="34" charset="0"/>
+              <a:buNone/>
+              <a:defRPr sz="1600" kern="1200">
+                <a:solidFill>
+                  <a:schemeClr val="tx1">
+                    <a:tint val="75000"/>
+                  </a:schemeClr>
+                </a:solidFill>
+                <a:latin typeface="+mn-lt"/>
+                <a:ea typeface="+mn-ea"/>
+                <a:cs typeface="+mn-cs"/>
+              </a:defRPr>
+            </a:lvl9pPr>
+          </a:lstStyle>
+          <a:p>
+            <a:r>
+              <a:rPr lang="en-US">
+                <a:solidFill>
+                  <a:schemeClr val="tx1"/>
+                </a:solidFill>
+              </a:rPr>
+              <a:t>Python 3 was used as the main language to write the base code for the app.</a:t>
+            </a:r>
+            <a:endParaRPr lang="en-US" dirty="0">
+              <a:solidFill>
+                <a:schemeClr val="tx1"/>
+              </a:solidFill>
+            </a:endParaRPr>
+          </a:p>
+        </p:txBody>
+      </p:sp>
+      <p:sp>
+        <p:nvSpPr>
+          <p:cNvPr id="23" name="Text Placeholder 15">
+            <a:extLst>
+              <a:ext uri="{FF2B5EF4-FFF2-40B4-BE49-F238E27FC236}">
+                <a16:creationId xmlns:a16="http://schemas.microsoft.com/office/drawing/2014/main" id="{B9456865-4031-4E3C-94EB-02236A8E24C9}"/>
+              </a:ext>
+            </a:extLst>
+          </p:cNvPr>
+          <p:cNvSpPr txBox="1">
+            <a:spLocks/>
+          </p:cNvSpPr>
+          <p:nvPr/>
+        </p:nvSpPr>
+        <p:spPr>
+          <a:xfrm>
+            <a:off x="6371531" y="4746075"/>
+            <a:ext cx="1209357" cy="640080"/>
+          </a:xfrm>
+          <a:prstGeom prst="rect">
+            <a:avLst/>
+          </a:prstGeom>
+        </p:spPr>
+        <p:txBody>
+          <a:bodyPr vert="horz" lIns="0" tIns="0" rIns="0" bIns="0" rtlCol="0">
+            <a:normAutofit fontScale="85000" lnSpcReduction="10000"/>
+          </a:bodyPr>
+          <a:lstStyle>
+            <a:lvl1pPr marL="0" indent="0" algn="l" defTabSz="914400" rtl="0" eaLnBrk="1" latinLnBrk="0" hangingPunct="1">
+              <a:lnSpc>
+                <a:spcPct val="90000"/>
+              </a:lnSpc>
+              <a:spcBef>
+                <a:spcPts val="600"/>
+              </a:spcBef>
+              <a:buClr>
+                <a:schemeClr val="tx1"/>
+              </a:buClr>
+              <a:buFont typeface="Courier New" panose="02070309020205020404" pitchFamily="49" charset="0"/>
+              <a:buNone/>
+              <a:defRPr sz="2000" b="1" kern="1200">
+                <a:solidFill>
+                  <a:schemeClr val="bg2"/>
+                </a:solidFill>
+                <a:latin typeface="+mj-lt"/>
+                <a:ea typeface="+mn-ea"/>
+                <a:cs typeface="+mn-cs"/>
+              </a:defRPr>
+            </a:lvl1pPr>
+            <a:lvl2pPr marL="457200" indent="0" algn="l" defTabSz="914400" rtl="0" eaLnBrk="1" latinLnBrk="0" hangingPunct="1">
+              <a:lnSpc>
+                <a:spcPct val="90000"/>
+              </a:lnSpc>
+              <a:spcBef>
+                <a:spcPts val="500"/>
+              </a:spcBef>
+              <a:buFont typeface="Arial" panose="020B0604020202020204" pitchFamily="34" charset="0"/>
+              <a:buNone/>
+              <a:defRPr sz="2000" kern="1200">
+                <a:solidFill>
+                  <a:schemeClr val="tx1">
+                    <a:tint val="75000"/>
+                  </a:schemeClr>
+                </a:solidFill>
+                <a:latin typeface="+mn-lt"/>
+                <a:ea typeface="+mn-ea"/>
+                <a:cs typeface="+mn-cs"/>
+              </a:defRPr>
+            </a:lvl2pPr>
+            <a:lvl3pPr marL="914400" indent="0" algn="l" defTabSz="914400" rtl="0" eaLnBrk="1" latinLnBrk="0" hangingPunct="1">
+              <a:lnSpc>
+                <a:spcPct val="90000"/>
+              </a:lnSpc>
+              <a:spcBef>
+                <a:spcPts val="500"/>
+              </a:spcBef>
+              <a:buFont typeface="Arial" panose="020B0604020202020204" pitchFamily="34" charset="0"/>
+              <a:buNone/>
+              <a:defRPr sz="1800" kern="1200">
+                <a:solidFill>
+                  <a:schemeClr val="tx1">
+                    <a:tint val="75000"/>
+                  </a:schemeClr>
+                </a:solidFill>
+                <a:latin typeface="+mn-lt"/>
+                <a:ea typeface="+mn-ea"/>
+                <a:cs typeface="+mn-cs"/>
+              </a:defRPr>
+            </a:lvl3pPr>
+            <a:lvl4pPr marL="1371600" indent="0" algn="l" defTabSz="914400" rtl="0" eaLnBrk="1" latinLnBrk="0" hangingPunct="1">
+              <a:lnSpc>
+                <a:spcPct val="90000"/>
+              </a:lnSpc>
+              <a:spcBef>
+                <a:spcPts val="500"/>
+              </a:spcBef>
+              <a:buFont typeface="Arial" panose="020B0604020202020204" pitchFamily="34" charset="0"/>
+              <a:buNone/>
+              <a:defRPr sz="1600" kern="1200">
+                <a:solidFill>
+                  <a:schemeClr val="tx1">
+                    <a:tint val="75000"/>
+                  </a:schemeClr>
+                </a:solidFill>
+                <a:latin typeface="+mn-lt"/>
+                <a:ea typeface="+mn-ea"/>
+                <a:cs typeface="+mn-cs"/>
+              </a:defRPr>
+            </a:lvl4pPr>
+            <a:lvl5pPr marL="1828800" indent="0" algn="l" defTabSz="914400" rtl="0" eaLnBrk="1" latinLnBrk="0" hangingPunct="1">
+              <a:lnSpc>
+                <a:spcPct val="90000"/>
+              </a:lnSpc>
+              <a:spcBef>
+                <a:spcPts val="500"/>
+              </a:spcBef>
+              <a:buFont typeface="Arial" panose="020B0604020202020204" pitchFamily="34" charset="0"/>
+              <a:buNone/>
+              <a:defRPr sz="1600" kern="1200">
+                <a:solidFill>
+                  <a:schemeClr val="tx1">
+                    <a:tint val="75000"/>
+                  </a:schemeClr>
+                </a:solidFill>
+                <a:latin typeface="+mn-lt"/>
+                <a:ea typeface="+mn-ea"/>
+                <a:cs typeface="+mn-cs"/>
+              </a:defRPr>
+            </a:lvl5pPr>
+            <a:lvl6pPr marL="2286000" indent="0" algn="l" defTabSz="914400" rtl="0" eaLnBrk="1" latinLnBrk="0" hangingPunct="1">
+              <a:lnSpc>
+                <a:spcPct val="90000"/>
+              </a:lnSpc>
+              <a:spcBef>
+                <a:spcPts val="500"/>
+              </a:spcBef>
+              <a:buFont typeface="Arial" panose="020B0604020202020204" pitchFamily="34" charset="0"/>
+              <a:buNone/>
+              <a:defRPr sz="1600" kern="1200">
+                <a:solidFill>
+                  <a:schemeClr val="tx1">
+                    <a:tint val="75000"/>
+                  </a:schemeClr>
+                </a:solidFill>
+                <a:latin typeface="+mn-lt"/>
+                <a:ea typeface="+mn-ea"/>
+                <a:cs typeface="+mn-cs"/>
+              </a:defRPr>
+            </a:lvl6pPr>
+            <a:lvl7pPr marL="2743200" indent="0" algn="l" defTabSz="914400" rtl="0" eaLnBrk="1" latinLnBrk="0" hangingPunct="1">
+              <a:lnSpc>
+                <a:spcPct val="90000"/>
+              </a:lnSpc>
+              <a:spcBef>
+                <a:spcPts val="500"/>
+              </a:spcBef>
+              <a:buFont typeface="Arial" panose="020B0604020202020204" pitchFamily="34" charset="0"/>
+              <a:buNone/>
+              <a:defRPr sz="1600" kern="1200">
+                <a:solidFill>
+                  <a:schemeClr val="tx1">
+                    <a:tint val="75000"/>
+                  </a:schemeClr>
+                </a:solidFill>
+                <a:latin typeface="+mn-lt"/>
+                <a:ea typeface="+mn-ea"/>
+                <a:cs typeface="+mn-cs"/>
+              </a:defRPr>
+            </a:lvl7pPr>
+            <a:lvl8pPr marL="3200400" indent="0" algn="l" defTabSz="914400" rtl="0" eaLnBrk="1" latinLnBrk="0" hangingPunct="1">
+              <a:lnSpc>
+                <a:spcPct val="90000"/>
+              </a:lnSpc>
+              <a:spcBef>
+                <a:spcPts val="500"/>
+              </a:spcBef>
+              <a:buFont typeface="Arial" panose="020B0604020202020204" pitchFamily="34" charset="0"/>
+              <a:buNone/>
+              <a:defRPr sz="1600" kern="1200">
+                <a:solidFill>
+                  <a:schemeClr val="tx1">
+                    <a:tint val="75000"/>
+                  </a:schemeClr>
+                </a:solidFill>
+                <a:latin typeface="+mn-lt"/>
+                <a:ea typeface="+mn-ea"/>
+                <a:cs typeface="+mn-cs"/>
+              </a:defRPr>
+            </a:lvl8pPr>
+            <a:lvl9pPr marL="3657600" indent="0" algn="l" defTabSz="914400" rtl="0" eaLnBrk="1" latinLnBrk="0" hangingPunct="1">
+              <a:lnSpc>
+                <a:spcPct val="90000"/>
+              </a:lnSpc>
+              <a:spcBef>
+                <a:spcPts val="500"/>
+              </a:spcBef>
+              <a:buFont typeface="Arial" panose="020B0604020202020204" pitchFamily="34" charset="0"/>
+              <a:buNone/>
+              <a:defRPr sz="1600" kern="1200">
+                <a:solidFill>
+                  <a:schemeClr val="tx1">
+                    <a:tint val="75000"/>
+                  </a:schemeClr>
+                </a:solidFill>
+                <a:latin typeface="+mn-lt"/>
+                <a:ea typeface="+mn-ea"/>
+                <a:cs typeface="+mn-cs"/>
+              </a:defRPr>
+            </a:lvl9pPr>
+          </a:lstStyle>
+          <a:p>
+            <a:r>
+              <a:rPr lang="en-US" dirty="0"/>
+              <a:t>Speech</a:t>
+            </a:r>
+          </a:p>
+          <a:p>
+            <a:r>
+              <a:rPr lang="en-US" dirty="0"/>
+              <a:t>Recognition</a:t>
+            </a:r>
+          </a:p>
+        </p:txBody>
+      </p:sp>
+      <p:sp>
+        <p:nvSpPr>
+          <p:cNvPr id="25" name="Text Placeholder 13">
+            <a:extLst>
+              <a:ext uri="{FF2B5EF4-FFF2-40B4-BE49-F238E27FC236}">
+                <a16:creationId xmlns:a16="http://schemas.microsoft.com/office/drawing/2014/main" id="{4B63CAAD-9D71-418B-ACCB-F832FC38D6E6}"/>
+              </a:ext>
+            </a:extLst>
+          </p:cNvPr>
+          <p:cNvSpPr txBox="1">
+            <a:spLocks/>
+          </p:cNvSpPr>
+          <p:nvPr/>
+        </p:nvSpPr>
+        <p:spPr>
+          <a:xfrm>
+            <a:off x="8910842" y="4815766"/>
+            <a:ext cx="2670048" cy="640080"/>
+          </a:xfrm>
+          <a:prstGeom prst="rect">
+            <a:avLst/>
+          </a:prstGeom>
+        </p:spPr>
+        <p:txBody>
+          <a:bodyPr vert="horz" lIns="0" tIns="0" rIns="0" bIns="0" rtlCol="0">
+            <a:normAutofit/>
+          </a:bodyPr>
+          <a:lstStyle>
+            <a:lvl1pPr marL="0" indent="0" algn="l" defTabSz="914400" rtl="0" eaLnBrk="1" latinLnBrk="0" hangingPunct="1">
+              <a:lnSpc>
+                <a:spcPct val="100000"/>
+              </a:lnSpc>
+              <a:spcBef>
+                <a:spcPts val="600"/>
+              </a:spcBef>
+              <a:buClr>
+                <a:schemeClr val="tx1"/>
+              </a:buClr>
+              <a:buFont typeface="Courier New" panose="02070309020205020404" pitchFamily="49" charset="0"/>
+              <a:buNone/>
+              <a:defRPr sz="1400" kern="1200">
+                <a:solidFill>
+                  <a:schemeClr val="tx2"/>
+                </a:solidFill>
+                <a:latin typeface="+mn-lt"/>
+                <a:ea typeface="+mn-ea"/>
+                <a:cs typeface="+mn-cs"/>
+              </a:defRPr>
+            </a:lvl1pPr>
+            <a:lvl2pPr marL="457200" indent="0" algn="l" defTabSz="914400" rtl="0" eaLnBrk="1" latinLnBrk="0" hangingPunct="1">
+              <a:lnSpc>
+                <a:spcPct val="90000"/>
+              </a:lnSpc>
+              <a:spcBef>
+                <a:spcPts val="500"/>
+              </a:spcBef>
+              <a:buFont typeface="Arial" panose="020B0604020202020204" pitchFamily="34" charset="0"/>
+              <a:buNone/>
+              <a:defRPr sz="2000" kern="1200">
+                <a:solidFill>
+                  <a:schemeClr val="tx1">
+                    <a:tint val="75000"/>
+                  </a:schemeClr>
+                </a:solidFill>
+                <a:latin typeface="+mn-lt"/>
+                <a:ea typeface="+mn-ea"/>
+                <a:cs typeface="+mn-cs"/>
+              </a:defRPr>
+            </a:lvl2pPr>
+            <a:lvl3pPr marL="914400" indent="0" algn="l" defTabSz="914400" rtl="0" eaLnBrk="1" latinLnBrk="0" hangingPunct="1">
+              <a:lnSpc>
+                <a:spcPct val="90000"/>
+              </a:lnSpc>
+              <a:spcBef>
+                <a:spcPts val="500"/>
+              </a:spcBef>
+              <a:buFont typeface="Arial" panose="020B0604020202020204" pitchFamily="34" charset="0"/>
+              <a:buNone/>
+              <a:defRPr sz="1800" kern="1200">
+                <a:solidFill>
+                  <a:schemeClr val="tx1">
+                    <a:tint val="75000"/>
+                  </a:schemeClr>
+                </a:solidFill>
+                <a:latin typeface="+mn-lt"/>
+                <a:ea typeface="+mn-ea"/>
+                <a:cs typeface="+mn-cs"/>
+              </a:defRPr>
+            </a:lvl3pPr>
+            <a:lvl4pPr marL="1371600" indent="0" algn="l" defTabSz="914400" rtl="0" eaLnBrk="1" latinLnBrk="0" hangingPunct="1">
+              <a:lnSpc>
+                <a:spcPct val="90000"/>
+              </a:lnSpc>
+              <a:spcBef>
+                <a:spcPts val="500"/>
+              </a:spcBef>
+              <a:buFont typeface="Arial" panose="020B0604020202020204" pitchFamily="34" charset="0"/>
+              <a:buNone/>
+              <a:defRPr sz="1600" kern="1200">
+                <a:solidFill>
+                  <a:schemeClr val="tx1">
+                    <a:tint val="75000"/>
+                  </a:schemeClr>
+                </a:solidFill>
+                <a:latin typeface="+mn-lt"/>
+                <a:ea typeface="+mn-ea"/>
+                <a:cs typeface="+mn-cs"/>
+              </a:defRPr>
+            </a:lvl4pPr>
+            <a:lvl5pPr marL="1828800" indent="0" algn="l" defTabSz="914400" rtl="0" eaLnBrk="1" latinLnBrk="0" hangingPunct="1">
+              <a:lnSpc>
+                <a:spcPct val="90000"/>
+              </a:lnSpc>
+              <a:spcBef>
+                <a:spcPts val="500"/>
+              </a:spcBef>
+              <a:buFont typeface="Arial" panose="020B0604020202020204" pitchFamily="34" charset="0"/>
+              <a:buNone/>
+              <a:defRPr sz="1600" kern="1200">
+                <a:solidFill>
+                  <a:schemeClr val="tx1">
+                    <a:tint val="75000"/>
+                  </a:schemeClr>
+                </a:solidFill>
+                <a:latin typeface="+mn-lt"/>
+                <a:ea typeface="+mn-ea"/>
+                <a:cs typeface="+mn-cs"/>
+              </a:defRPr>
+            </a:lvl5pPr>
+            <a:lvl6pPr marL="2286000" indent="0" algn="l" defTabSz="914400" rtl="0" eaLnBrk="1" latinLnBrk="0" hangingPunct="1">
+              <a:lnSpc>
+                <a:spcPct val="90000"/>
+              </a:lnSpc>
+              <a:spcBef>
+                <a:spcPts val="500"/>
+              </a:spcBef>
+              <a:buFont typeface="Arial" panose="020B0604020202020204" pitchFamily="34" charset="0"/>
+              <a:buNone/>
+              <a:defRPr sz="1600" kern="1200">
+                <a:solidFill>
+                  <a:schemeClr val="tx1">
+                    <a:tint val="75000"/>
+                  </a:schemeClr>
+                </a:solidFill>
+                <a:latin typeface="+mn-lt"/>
+                <a:ea typeface="+mn-ea"/>
+                <a:cs typeface="+mn-cs"/>
+              </a:defRPr>
+            </a:lvl6pPr>
+            <a:lvl7pPr marL="2743200" indent="0" algn="l" defTabSz="914400" rtl="0" eaLnBrk="1" latinLnBrk="0" hangingPunct="1">
+              <a:lnSpc>
+                <a:spcPct val="90000"/>
+              </a:lnSpc>
+              <a:spcBef>
+                <a:spcPts val="500"/>
+              </a:spcBef>
+              <a:buFont typeface="Arial" panose="020B0604020202020204" pitchFamily="34" charset="0"/>
+              <a:buNone/>
+              <a:defRPr sz="1600" kern="1200">
+                <a:solidFill>
+                  <a:schemeClr val="tx1">
+                    <a:tint val="75000"/>
+                  </a:schemeClr>
+                </a:solidFill>
+                <a:latin typeface="+mn-lt"/>
+                <a:ea typeface="+mn-ea"/>
+                <a:cs typeface="+mn-cs"/>
+              </a:defRPr>
+            </a:lvl7pPr>
+            <a:lvl8pPr marL="3200400" indent="0" algn="l" defTabSz="914400" rtl="0" eaLnBrk="1" latinLnBrk="0" hangingPunct="1">
+              <a:lnSpc>
+                <a:spcPct val="90000"/>
+              </a:lnSpc>
+              <a:spcBef>
+                <a:spcPts val="500"/>
+              </a:spcBef>
+              <a:buFont typeface="Arial" panose="020B0604020202020204" pitchFamily="34" charset="0"/>
+              <a:buNone/>
+              <a:defRPr sz="1600" kern="1200">
+                <a:solidFill>
+                  <a:schemeClr val="tx1">
+                    <a:tint val="75000"/>
+                  </a:schemeClr>
+                </a:solidFill>
+                <a:latin typeface="+mn-lt"/>
+                <a:ea typeface="+mn-ea"/>
+                <a:cs typeface="+mn-cs"/>
+              </a:defRPr>
+            </a:lvl8pPr>
+            <a:lvl9pPr marL="3657600" indent="0" algn="l" defTabSz="914400" rtl="0" eaLnBrk="1" latinLnBrk="0" hangingPunct="1">
+              <a:lnSpc>
+                <a:spcPct val="90000"/>
+              </a:lnSpc>
+              <a:spcBef>
+                <a:spcPts val="500"/>
+              </a:spcBef>
+              <a:buFont typeface="Arial" panose="020B0604020202020204" pitchFamily="34" charset="0"/>
+              <a:buNone/>
+              <a:defRPr sz="1600" kern="1200">
+                <a:solidFill>
+                  <a:schemeClr val="tx1">
+                    <a:tint val="75000"/>
+                  </a:schemeClr>
+                </a:solidFill>
+                <a:latin typeface="+mn-lt"/>
+                <a:ea typeface="+mn-ea"/>
+                <a:cs typeface="+mn-cs"/>
+              </a:defRPr>
+            </a:lvl9pPr>
+          </a:lstStyle>
+          <a:p>
+            <a:r>
+              <a:rPr lang="en-US" dirty="0">
+                <a:solidFill>
+                  <a:schemeClr val="tx1"/>
+                </a:solidFill>
+              </a:rPr>
+              <a:t>SQL was used as the main language for database management.</a:t>
+            </a:r>
+          </a:p>
+        </p:txBody>
+      </p:sp>
+      <p:pic>
+        <p:nvPicPr>
+          <p:cNvPr id="1026" name="Picture 2">
+            <a:extLst>
+              <a:ext uri="{FF2B5EF4-FFF2-40B4-BE49-F238E27FC236}">
+                <a16:creationId xmlns:a16="http://schemas.microsoft.com/office/drawing/2014/main" id="{DA749F82-15D0-43A7-A7BA-B175BF092D4E}"/>
+              </a:ext>
+            </a:extLst>
+          </p:cNvPr>
+          <p:cNvPicPr>
+            <a:picLocks noChangeAspect="1" noChangeArrowheads="1"/>
+          </p:cNvPicPr>
+          <p:nvPr/>
+        </p:nvPicPr>
+        <p:blipFill rotWithShape="1">
+          <a:blip r:embed="rId6">
+            <a:extLst>
+              <a:ext uri="{28A0092B-C50C-407E-A947-70E740481C1C}">
+                <a14:useLocalDpi xmlns:a14="http://schemas.microsoft.com/office/drawing/2010/main" val="0"/>
+              </a:ext>
+            </a:extLst>
+          </a:blip>
+          <a:srcRect l="11971" t="7810" r="54008" b="18082"/>
+          <a:stretch/>
+        </p:blipFill>
+        <p:spPr bwMode="auto">
+          <a:xfrm>
+            <a:off x="2157679" y="4773752"/>
+            <a:ext cx="607424" cy="612404"/>
+          </a:xfrm>
+          <a:prstGeom prst="rect">
+            <a:avLst/>
+          </a:prstGeom>
+          <a:noFill/>
+          <a:extLst>
+            <a:ext uri="{909E8E84-426E-40DD-AFC4-6F175D3DCCD1}">
+              <a14:hiddenFill xmlns:a14="http://schemas.microsoft.com/office/drawing/2010/main">
+                <a:solidFill>
+                  <a:srgbClr val="FFFFFF"/>
+                </a:solidFill>
+              </a14:hiddenFill>
+            </a:ext>
+          </a:extLst>
+        </p:spPr>
+      </p:pic>
+      <p:pic>
+        <p:nvPicPr>
+          <p:cNvPr id="1028" name="Picture 4">
+            <a:extLst>
+              <a:ext uri="{FF2B5EF4-FFF2-40B4-BE49-F238E27FC236}">
+                <a16:creationId xmlns:a16="http://schemas.microsoft.com/office/drawing/2014/main" id="{427B7DA2-F093-47DE-BFD9-7860CDADE2AF}"/>
+              </a:ext>
+            </a:extLst>
+          </p:cNvPr>
+          <p:cNvPicPr>
+            <a:picLocks noChangeAspect="1" noChangeArrowheads="1"/>
+          </p:cNvPicPr>
+          <p:nvPr/>
+        </p:nvPicPr>
+        <p:blipFill>
+          <a:blip r:embed="rId7">
+            <a:extLst>
+              <a:ext uri="{28A0092B-C50C-407E-A947-70E740481C1C}">
+                <a14:useLocalDpi xmlns:a14="http://schemas.microsoft.com/office/drawing/2010/main" val="0"/>
+              </a:ext>
+            </a:extLst>
+          </a:blip>
+          <a:srcRect/>
+          <a:stretch>
+            <a:fillRect/>
+          </a:stretch>
+        </p:blipFill>
+        <p:spPr bwMode="auto">
+          <a:xfrm>
+            <a:off x="7641575" y="4750858"/>
+            <a:ext cx="1152567" cy="646947"/>
+          </a:xfrm>
+          <a:prstGeom prst="rect">
+            <a:avLst/>
+          </a:prstGeom>
+          <a:noFill/>
+          <a:extLst>
+            <a:ext uri="{909E8E84-426E-40DD-AFC4-6F175D3DCCD1}">
+              <a14:hiddenFill xmlns:a14="http://schemas.microsoft.com/office/drawing/2010/main">
+                <a:solidFill>
+                  <a:srgbClr val="FFFFFF"/>
+                </a:solidFill>
+              </a14:hiddenFill>
+            </a:ext>
+          </a:extLst>
+        </p:spPr>
       </p:pic>
     </p:spTree>
     <p:extLst>
@@ -46023,10 +47760,10 @@
       </p:grpSpPr>
       <p:sp>
         <p:nvSpPr>
-          <p:cNvPr id="5" name="Title 4">
-            <a:extLst>
-              <a:ext uri="{FF2B5EF4-FFF2-40B4-BE49-F238E27FC236}">
-                <a16:creationId xmlns:a16="http://schemas.microsoft.com/office/drawing/2014/main" id="{C27242FD-4B84-40F8-B4E6-626D05771D01}"/>
+          <p:cNvPr id="2" name="Title 1">
+            <a:extLst>
+              <a:ext uri="{FF2B5EF4-FFF2-40B4-BE49-F238E27FC236}">
+                <a16:creationId xmlns:a16="http://schemas.microsoft.com/office/drawing/2014/main" id="{1F627569-3B3D-4F67-821B-2E88F40B81F2}"/>
               </a:ext>
             </a:extLst>
           </p:cNvPr>
@@ -46039,9 +47776,7 @@
         </p:nvSpPr>
         <p:spPr/>
         <p:txBody>
-          <a:bodyPr>
-            <a:normAutofit fontScale="90000"/>
-          </a:bodyPr>
+          <a:bodyPr/>
           <a:lstStyle/>
           <a:p>
             <a:r>
@@ -46050,98 +47785,18 @@
                   <a:srgbClr val="12FFFE"/>
                 </a:solidFill>
               </a:rPr>
-              <a:t>Expected outcome/Result</a:t>
+              <a:t>Social Impact</a:t>
             </a:r>
-            <a:endParaRPr lang="en-US" dirty="0">
-              <a:solidFill>
-                <a:srgbClr val="12FFFE"/>
-              </a:solidFill>
-            </a:endParaRPr>
-          </a:p>
-        </p:txBody>
-      </p:sp>
-      <p:sp>
-        <p:nvSpPr>
-          <p:cNvPr id="7" name="Text Placeholder 6">
-            <a:extLst>
-              <a:ext uri="{FF2B5EF4-FFF2-40B4-BE49-F238E27FC236}">
-                <a16:creationId xmlns:a16="http://schemas.microsoft.com/office/drawing/2014/main" id="{45F63788-D675-4474-98AF-5CA7F8F0538A}"/>
-              </a:ext>
-            </a:extLst>
-          </p:cNvPr>
-          <p:cNvSpPr>
-            <a:spLocks noGrp="1"/>
-          </p:cNvSpPr>
-          <p:nvPr>
-            <p:ph type="body" idx="29"/>
-          </p:nvPr>
-        </p:nvSpPr>
-        <p:spPr>
-          <a:xfrm>
-            <a:off x="677422" y="2021109"/>
-            <a:ext cx="2915732" cy="360000"/>
-          </a:xfrm>
-        </p:spPr>
-        <p:txBody>
-          <a:bodyPr/>
-          <a:lstStyle/>
-          <a:p>
-            <a:pPr algn="ctr"/>
-            <a:r>
-              <a:rPr lang="en-US" dirty="0">
-                <a:solidFill>
-                  <a:schemeClr val="tx1"/>
-                </a:solidFill>
-              </a:rPr>
-              <a:t>Text input screen</a:t>
-            </a:r>
-          </a:p>
-        </p:txBody>
-      </p:sp>
-      <p:sp>
-        <p:nvSpPr>
-          <p:cNvPr id="8" name="Text Placeholder 7">
-            <a:extLst>
-              <a:ext uri="{FF2B5EF4-FFF2-40B4-BE49-F238E27FC236}">
-                <a16:creationId xmlns:a16="http://schemas.microsoft.com/office/drawing/2014/main" id="{B44E1CC1-FC76-4F7F-B7FD-5BF8B23A0369}"/>
-              </a:ext>
-            </a:extLst>
-          </p:cNvPr>
-          <p:cNvSpPr>
-            <a:spLocks noGrp="1"/>
-          </p:cNvSpPr>
-          <p:nvPr>
-            <p:ph type="body" idx="31"/>
-          </p:nvPr>
-        </p:nvSpPr>
-        <p:spPr>
-          <a:xfrm>
-            <a:off x="4744791" y="2021109"/>
-            <a:ext cx="2915732" cy="360000"/>
-          </a:xfrm>
-        </p:spPr>
-        <p:txBody>
-          <a:bodyPr/>
-          <a:lstStyle/>
-          <a:p>
-            <a:pPr algn="ctr"/>
-            <a:r>
-              <a:rPr lang="en-US" dirty="0">
-                <a:solidFill>
-                  <a:schemeClr val="tx1"/>
-                </a:solidFill>
-              </a:rPr>
-              <a:t>Movie Review Screen</a:t>
-            </a:r>
-          </a:p>
-        </p:txBody>
-      </p:sp>
-      <p:sp>
-        <p:nvSpPr>
-          <p:cNvPr id="4" name="Slide Number Placeholder 3">
-            <a:extLst>
-              <a:ext uri="{FF2B5EF4-FFF2-40B4-BE49-F238E27FC236}">
-                <a16:creationId xmlns:a16="http://schemas.microsoft.com/office/drawing/2014/main" id="{EB1FE36B-32AA-4E32-8EB1-0BF1B74BAC4C}"/>
+            <a:endParaRPr lang="en-US" dirty="0"/>
+          </a:p>
+        </p:txBody>
+      </p:sp>
+      <p:sp>
+        <p:nvSpPr>
+          <p:cNvPr id="5" name="Slide Number Placeholder 4">
+            <a:extLst>
+              <a:ext uri="{FF2B5EF4-FFF2-40B4-BE49-F238E27FC236}">
+                <a16:creationId xmlns:a16="http://schemas.microsoft.com/office/drawing/2014/main" id="{346E6751-D506-40BD-925A-948EA62DF97C}"/>
               </a:ext>
             </a:extLst>
           </p:cNvPr>
@@ -46158,138 +47813,95 @@
           <a:lstStyle/>
           <a:p>
             <a:fld id="{8D581BC7-E183-40DB-AC97-C19EA4EB8894}" type="slidenum">
-              <a:rPr lang="en-US" smtClean="0"/>
+              <a:rPr lang="en-US" noProof="0" smtClean="0"/>
               <a:t>8</a:t>
             </a:fld>
-            <a:endParaRPr lang="en-US" dirty="0"/>
-          </a:p>
-        </p:txBody>
-      </p:sp>
-      <p:sp>
-        <p:nvSpPr>
-          <p:cNvPr id="18" name="TextBox 17">
-            <a:extLst>
-              <a:ext uri="{FF2B5EF4-FFF2-40B4-BE49-F238E27FC236}">
-                <a16:creationId xmlns:a16="http://schemas.microsoft.com/office/drawing/2014/main" id="{6775B728-CE29-47D5-A5E7-D9B79CA9EA0A}"/>
-              </a:ext>
-            </a:extLst>
-          </p:cNvPr>
-          <p:cNvSpPr txBox="1"/>
-          <p:nvPr/>
-        </p:nvSpPr>
-        <p:spPr>
-          <a:xfrm>
-            <a:off x="8445873" y="1991722"/>
-            <a:ext cx="3399112" cy="400110"/>
-          </a:xfrm>
-          <a:prstGeom prst="rect">
-            <a:avLst/>
-          </a:prstGeom>
-          <a:noFill/>
-        </p:spPr>
-        <p:txBody>
-          <a:bodyPr wrap="square" rtlCol="0">
-            <a:spAutoFit/>
-          </a:bodyPr>
+            <a:endParaRPr lang="en-US" noProof="0" dirty="0"/>
+          </a:p>
+        </p:txBody>
+      </p:sp>
+      <p:sp>
+        <p:nvSpPr>
+          <p:cNvPr id="7" name="Text Placeholder 6">
+            <a:extLst>
+              <a:ext uri="{FF2B5EF4-FFF2-40B4-BE49-F238E27FC236}">
+                <a16:creationId xmlns:a16="http://schemas.microsoft.com/office/drawing/2014/main" id="{1C4FCECB-9DA5-4128-AF1B-337015FD04E0}"/>
+              </a:ext>
+            </a:extLst>
+          </p:cNvPr>
+          <p:cNvSpPr>
+            <a:spLocks noGrp="1"/>
+          </p:cNvSpPr>
+          <p:nvPr>
+            <p:ph type="body" idx="14"/>
+          </p:nvPr>
+        </p:nvSpPr>
+        <p:spPr>
+          <a:xfrm>
+            <a:off x="579772" y="3323646"/>
+            <a:ext cx="5245444" cy="2278728"/>
+          </a:xfrm>
+        </p:spPr>
+        <p:txBody>
+          <a:bodyPr/>
           <a:lstStyle/>
           <a:p>
-            <a:pPr algn="ctr"/>
+            <a:pPr marL="0" indent="0">
+              <a:buNone/>
+            </a:pPr>
             <a:r>
-              <a:rPr lang="en-US" sz="2000" b="1" dirty="0">
-                <a:latin typeface="+mj-lt"/>
+              <a:rPr lang="en-US" sz="1800" b="0" i="0" u="sng" strike="noStrike" dirty="0">
+                <a:solidFill>
+                  <a:srgbClr val="01B5B5"/>
+                </a:solidFill>
+                <a:effectLst/>
+                <a:latin typeface="Times" panose="02020603050405020304" pitchFamily="18" charset="0"/>
               </a:rPr>
-              <a:t>Voice Input Screen</a:t>
+              <a:t>To determine the thinking of people on a particular issue</a:t>
             </a:r>
-            <a:endParaRPr lang="en-IN" sz="2000" b="1" dirty="0">
-              <a:latin typeface="+mj-lt"/>
-            </a:endParaRPr>
+          </a:p>
+          <a:p>
+            <a:pPr marL="0" indent="0">
+              <a:buNone/>
+            </a:pPr>
+            <a:r>
+              <a:rPr lang="en-US" dirty="0">
+                <a:solidFill>
+                  <a:srgbClr val="01B5B5"/>
+                </a:solidFill>
+              </a:rPr>
+              <a:t>This will tell about the extent to which people can go, thinking about a topic given to them and how they put forward their opinions, views and ideas plus how our machine will deal with this thought processing and how correctly it will categorize the same into positive, negative.</a:t>
+            </a:r>
           </a:p>
         </p:txBody>
       </p:sp>
       <p:pic>
         <p:nvPicPr>
-          <p:cNvPr id="2" name="Picture 1">
-            <a:extLst>
-              <a:ext uri="{FF2B5EF4-FFF2-40B4-BE49-F238E27FC236}">
-                <a16:creationId xmlns:a16="http://schemas.microsoft.com/office/drawing/2014/main" id="{1535C999-246F-455E-93AC-2B3D350FEFAA}"/>
+          <p:cNvPr id="9" name="Picture Placeholder 8">
+            <a:extLst>
+              <a:ext uri="{FF2B5EF4-FFF2-40B4-BE49-F238E27FC236}">
+                <a16:creationId xmlns:a16="http://schemas.microsoft.com/office/drawing/2014/main" id="{1A931152-82C4-4EB5-B717-B950CCF50D5B}"/>
               </a:ext>
             </a:extLst>
           </p:cNvPr>
           <p:cNvPicPr>
-            <a:picLocks noChangeAspect="1"/>
+            <a:picLocks noGrp="1" noChangeAspect="1"/>
           </p:cNvPicPr>
-          <p:nvPr/>
+          <p:nvPr>
+            <p:ph type="pic" sz="quarter" idx="15"/>
+          </p:nvPr>
         </p:nvPicPr>
         <p:blipFill>
           <a:blip r:embed="rId2"/>
+          <a:srcRect l="20162" r="20162"/>
           <a:stretch>
             <a:fillRect/>
           </a:stretch>
         </p:blipFill>
         <p:spPr>
           <a:xfrm>
-            <a:off x="299904" y="2434089"/>
-            <a:ext cx="3673417" cy="2897551"/>
-          </a:xfrm>
-          <a:prstGeom prst="rect">
-            <a:avLst/>
-          </a:prstGeom>
-        </p:spPr>
-      </p:pic>
-      <p:pic>
-        <p:nvPicPr>
-          <p:cNvPr id="3" name="Picture 2">
-            <a:extLst>
-              <a:ext uri="{FF2B5EF4-FFF2-40B4-BE49-F238E27FC236}">
-                <a16:creationId xmlns:a16="http://schemas.microsoft.com/office/drawing/2014/main" id="{E4F93F9A-B764-40C5-9033-9C131C2B2206}"/>
-              </a:ext>
-            </a:extLst>
-          </p:cNvPr>
-          <p:cNvPicPr>
-            <a:picLocks noChangeAspect="1"/>
-          </p:cNvPicPr>
-          <p:nvPr/>
-        </p:nvPicPr>
-        <p:blipFill>
-          <a:blip r:embed="rId3"/>
-          <a:stretch>
-            <a:fillRect/>
-          </a:stretch>
-        </p:blipFill>
-        <p:spPr>
-          <a:xfrm>
-            <a:off x="4365948" y="2448799"/>
-            <a:ext cx="3673417" cy="2890196"/>
-          </a:xfrm>
-          <a:prstGeom prst="rect">
-            <a:avLst/>
-          </a:prstGeom>
-        </p:spPr>
-      </p:pic>
-      <p:pic>
-        <p:nvPicPr>
-          <p:cNvPr id="6" name="Picture 5">
-            <a:extLst>
-              <a:ext uri="{FF2B5EF4-FFF2-40B4-BE49-F238E27FC236}">
-                <a16:creationId xmlns:a16="http://schemas.microsoft.com/office/drawing/2014/main" id="{6A52E307-A4F0-4768-B7E5-9E12F9512C7E}"/>
-              </a:ext>
-            </a:extLst>
-          </p:cNvPr>
-          <p:cNvPicPr>
-            <a:picLocks noChangeAspect="1"/>
-          </p:cNvPicPr>
-          <p:nvPr/>
-        </p:nvPicPr>
-        <p:blipFill>
-          <a:blip r:embed="rId4"/>
-          <a:stretch>
-            <a:fillRect/>
-          </a:stretch>
-        </p:blipFill>
-        <p:spPr>
-          <a:xfrm>
-            <a:off x="8317151" y="2434089"/>
-            <a:ext cx="3673416" cy="2901226"/>
+            <a:off x="6593386" y="642304"/>
+            <a:ext cx="5245444" cy="5385816"/>
           </a:xfrm>
           <a:prstGeom prst="rect">
             <a:avLst/>
@@ -46299,7 +47911,7 @@
     </p:spTree>
     <p:extLst>
       <p:ext uri="{BB962C8B-B14F-4D97-AF65-F5344CB8AC3E}">
-        <p14:creationId xmlns:p14="http://schemas.microsoft.com/office/powerpoint/2010/main" val="4257882665"/>
+        <p14:creationId xmlns:p14="http://schemas.microsoft.com/office/powerpoint/2010/main" val="3055730848"/>
       </p:ext>
     </p:extLst>
   </p:cSld>
@@ -47299,15 +48911,6 @@
 </file>
 
 <file path=customXml/item2.xml><?xml version="1.0" encoding="utf-8"?>
-<?mso-contentType ?>
-<FormTemplates xmlns="http://schemas.microsoft.com/sharepoint/v3/contenttype/forms">
-  <Display>DocumentLibraryForm</Display>
-  <Edit>DocumentLibraryForm</Edit>
-  <New>DocumentLibraryForm</New>
-</FormTemplates>
-</file>
-
-<file path=customXml/item3.xml><?xml version="1.0" encoding="utf-8"?>
 <ct:contentTypeSchema xmlns:ct="http://schemas.microsoft.com/office/2006/metadata/contentType" xmlns:ma="http://schemas.microsoft.com/office/2006/metadata/properties/metaAttributes" ct:_="" ma:_="" ma:contentTypeName="Document" ma:contentTypeID="0x01010079F111ED35F8CC479449609E8A0923A6" ma:contentTypeVersion="11" ma:contentTypeDescription="Create a new document." ma:contentTypeScope="" ma:versionID="96291512c1ee715ab617f4c07df79fc1">
   <xsd:schema xmlns:xsd="http://www.w3.org/2001/XMLSchema" xmlns:xs="http://www.w3.org/2001/XMLSchema" xmlns:p="http://schemas.microsoft.com/office/2006/metadata/properties" xmlns:ns2="71af3243-3dd4-4a8d-8c0d-dd76da1f02a5" xmlns:ns3="16c05727-aa75-4e4a-9b5f-8a80a1165891" targetNamespace="http://schemas.microsoft.com/office/2006/metadata/properties" ma:root="true" ma:fieldsID="8256c27c40ca5c40ce1cf6c44f0205df" ns2:_="" ns3:_="">
     <xsd:import namespace="71af3243-3dd4-4a8d-8c0d-dd76da1f02a5"/>
@@ -47518,6 +49121,15 @@
 </ct:contentTypeSchema>
 </file>
 
+<file path=customXml/item3.xml><?xml version="1.0" encoding="utf-8"?>
+<?mso-contentType ?>
+<FormTemplates xmlns="http://schemas.microsoft.com/sharepoint/v3/contenttype/forms">
+  <Display>DocumentLibraryForm</Display>
+  <Edit>DocumentLibraryForm</Edit>
+  <New>DocumentLibraryForm</New>
+</FormTemplates>
+</file>
+
 <file path=customXml/itemProps1.xml><?xml version="1.0" encoding="utf-8"?>
 <ds:datastoreItem xmlns:ds="http://schemas.openxmlformats.org/officeDocument/2006/customXml" ds:itemID="{D726A944-A9F4-4295-9B5E-C397EB1318B9}">
   <ds:schemaRefs>
@@ -47529,14 +49141,6 @@
 </file>
 
 <file path=customXml/itemProps2.xml><?xml version="1.0" encoding="utf-8"?>
-<ds:datastoreItem xmlns:ds="http://schemas.openxmlformats.org/officeDocument/2006/customXml" ds:itemID="{01743C61-8CA7-48FF-B2A3-6055DA854CF6}">
-  <ds:schemaRefs>
-    <ds:schemaRef ds:uri="http://schemas.microsoft.com/sharepoint/v3/contenttype/forms"/>
-  </ds:schemaRefs>
-</ds:datastoreItem>
-</file>
-
-<file path=customXml/itemProps3.xml><?xml version="1.0" encoding="utf-8"?>
 <ds:datastoreItem xmlns:ds="http://schemas.openxmlformats.org/officeDocument/2006/customXml" ds:itemID="{472965D8-9C19-4E48-8421-5D6B21FC440C}">
   <ds:schemaRefs>
     <ds:schemaRef ds:uri="http://schemas.microsoft.com/office/2006/metadata/contentType"/>
@@ -47553,4 +49157,12 @@
     <ds:schemaRef ds:uri="http://schemas.microsoft.com/internal/obd"/>
   </ds:schemaRefs>
 </ds:datastoreItem>
+</file>
+
+<file path=customXml/itemProps3.xml><?xml version="1.0" encoding="utf-8"?>
+<ds:datastoreItem xmlns:ds="http://schemas.openxmlformats.org/officeDocument/2006/customXml" ds:itemID="{01743C61-8CA7-48FF-B2A3-6055DA854CF6}">
+  <ds:schemaRefs>
+    <ds:schemaRef ds:uri="http://schemas.microsoft.com/sharepoint/v3/contenttype/forms"/>
+  </ds:schemaRefs>
+</ds:datastoreItem>
 </file>